--- a/doc/DeepPlankter-digrams.pptx
+++ b/doc/DeepPlankter-digrams.pptx
@@ -1940,7 +1940,7 @@
           <a:p>
             <a:fld id="{D6C40BEF-D6C5-451D-9273-72D7618BC3F2}" type="datetimeFigureOut">
               <a:rPr lang="en-GB" smtClean="0"/>
-              <a:t>14/01/2021</a:t>
+              <a:t>04/06/2021</a:t>
             </a:fld>
             <a:endParaRPr lang="en-GB"/>
           </a:p>
@@ -2140,7 +2140,7 @@
           <a:p>
             <a:fld id="{D6C40BEF-D6C5-451D-9273-72D7618BC3F2}" type="datetimeFigureOut">
               <a:rPr lang="en-GB" smtClean="0"/>
-              <a:t>14/01/2021</a:t>
+              <a:t>04/06/2021</a:t>
             </a:fld>
             <a:endParaRPr lang="en-GB"/>
           </a:p>
@@ -2350,7 +2350,7 @@
           <a:p>
             <a:fld id="{D6C40BEF-D6C5-451D-9273-72D7618BC3F2}" type="datetimeFigureOut">
               <a:rPr lang="en-GB" smtClean="0"/>
-              <a:t>14/01/2021</a:t>
+              <a:t>04/06/2021</a:t>
             </a:fld>
             <a:endParaRPr lang="en-GB"/>
           </a:p>
@@ -2550,7 +2550,7 @@
           <a:p>
             <a:fld id="{D6C40BEF-D6C5-451D-9273-72D7618BC3F2}" type="datetimeFigureOut">
               <a:rPr lang="en-GB" smtClean="0"/>
-              <a:t>14/01/2021</a:t>
+              <a:t>04/06/2021</a:t>
             </a:fld>
             <a:endParaRPr lang="en-GB"/>
           </a:p>
@@ -2826,7 +2826,7 @@
           <a:p>
             <a:fld id="{D6C40BEF-D6C5-451D-9273-72D7618BC3F2}" type="datetimeFigureOut">
               <a:rPr lang="en-GB" smtClean="0"/>
-              <a:t>14/01/2021</a:t>
+              <a:t>04/06/2021</a:t>
             </a:fld>
             <a:endParaRPr lang="en-GB"/>
           </a:p>
@@ -3094,7 +3094,7 @@
           <a:p>
             <a:fld id="{D6C40BEF-D6C5-451D-9273-72D7618BC3F2}" type="datetimeFigureOut">
               <a:rPr lang="en-GB" smtClean="0"/>
-              <a:t>14/01/2021</a:t>
+              <a:t>04/06/2021</a:t>
             </a:fld>
             <a:endParaRPr lang="en-GB"/>
           </a:p>
@@ -3509,7 +3509,7 @@
           <a:p>
             <a:fld id="{D6C40BEF-D6C5-451D-9273-72D7618BC3F2}" type="datetimeFigureOut">
               <a:rPr lang="en-GB" smtClean="0"/>
-              <a:t>14/01/2021</a:t>
+              <a:t>04/06/2021</a:t>
             </a:fld>
             <a:endParaRPr lang="en-GB"/>
           </a:p>
@@ -3651,7 +3651,7 @@
           <a:p>
             <a:fld id="{D6C40BEF-D6C5-451D-9273-72D7618BC3F2}" type="datetimeFigureOut">
               <a:rPr lang="en-GB" smtClean="0"/>
-              <a:t>14/01/2021</a:t>
+              <a:t>04/06/2021</a:t>
             </a:fld>
             <a:endParaRPr lang="en-GB"/>
           </a:p>
@@ -3764,7 +3764,7 @@
           <a:p>
             <a:fld id="{D6C40BEF-D6C5-451D-9273-72D7618BC3F2}" type="datetimeFigureOut">
               <a:rPr lang="en-GB" smtClean="0"/>
-              <a:t>14/01/2021</a:t>
+              <a:t>04/06/2021</a:t>
             </a:fld>
             <a:endParaRPr lang="en-GB"/>
           </a:p>
@@ -4077,7 +4077,7 @@
           <a:p>
             <a:fld id="{D6C40BEF-D6C5-451D-9273-72D7618BC3F2}" type="datetimeFigureOut">
               <a:rPr lang="en-GB" smtClean="0"/>
-              <a:t>14/01/2021</a:t>
+              <a:t>04/06/2021</a:t>
             </a:fld>
             <a:endParaRPr lang="en-GB"/>
           </a:p>
@@ -4366,7 +4366,7 @@
           <a:p>
             <a:fld id="{D6C40BEF-D6C5-451D-9273-72D7618BC3F2}" type="datetimeFigureOut">
               <a:rPr lang="en-GB" smtClean="0"/>
-              <a:t>14/01/2021</a:t>
+              <a:t>04/06/2021</a:t>
             </a:fld>
             <a:endParaRPr lang="en-GB"/>
           </a:p>
@@ -4609,7 +4609,7 @@
           <a:p>
             <a:fld id="{D6C40BEF-D6C5-451D-9273-72D7618BC3F2}" type="datetimeFigureOut">
               <a:rPr lang="en-GB" smtClean="0"/>
-              <a:t>14/01/2021</a:t>
+              <a:t>04/06/2021</a:t>
             </a:fld>
             <a:endParaRPr lang="en-GB"/>
           </a:p>
@@ -5767,8 +5767,13 @@
           <a:p>
             <a:r>
               <a:rPr lang="en-GB" sz="1400" dirty="0"/>
-              <a:t>Camara Model</a:t>
-            </a:r>
+              <a:t>Camara Mod</a:t>
+            </a:r>
+            <a:r>
+              <a:rPr lang="en-US" altLang="zh-CN" sz="1400" dirty="0"/>
+              <a:t>ule</a:t>
+            </a:r>
+            <a:endParaRPr lang="en-GB" sz="1400" dirty="0"/>
           </a:p>
         </p:txBody>
       </p:sp>

--- a/doc/DeepPlankter-digrams.pptx
+++ b/doc/DeepPlankter-digrams.pptx
@@ -11,6 +11,8 @@
     <p:sldId id="261" r:id="rId5"/>
     <p:sldId id="259" r:id="rId6"/>
     <p:sldId id="260" r:id="rId7"/>
+    <p:sldId id="262" r:id="rId8"/>
+    <p:sldId id="263" r:id="rId9"/>
   </p:sldIdLst>
   <p:sldSz cx="12192000" cy="6858000"/>
   <p:notesSz cx="6858000" cy="9144000"/>
@@ -1940,7 +1942,7 @@
           <a:p>
             <a:fld id="{D6C40BEF-D6C5-451D-9273-72D7618BC3F2}" type="datetimeFigureOut">
               <a:rPr lang="en-GB" smtClean="0"/>
-              <a:t>04/06/2021</a:t>
+              <a:t>09/08/2021</a:t>
             </a:fld>
             <a:endParaRPr lang="en-GB"/>
           </a:p>
@@ -2140,7 +2142,7 @@
           <a:p>
             <a:fld id="{D6C40BEF-D6C5-451D-9273-72D7618BC3F2}" type="datetimeFigureOut">
               <a:rPr lang="en-GB" smtClean="0"/>
-              <a:t>04/06/2021</a:t>
+              <a:t>09/08/2021</a:t>
             </a:fld>
             <a:endParaRPr lang="en-GB"/>
           </a:p>
@@ -2350,7 +2352,7 @@
           <a:p>
             <a:fld id="{D6C40BEF-D6C5-451D-9273-72D7618BC3F2}" type="datetimeFigureOut">
               <a:rPr lang="en-GB" smtClean="0"/>
-              <a:t>04/06/2021</a:t>
+              <a:t>09/08/2021</a:t>
             </a:fld>
             <a:endParaRPr lang="en-GB"/>
           </a:p>
@@ -2550,7 +2552,7 @@
           <a:p>
             <a:fld id="{D6C40BEF-D6C5-451D-9273-72D7618BC3F2}" type="datetimeFigureOut">
               <a:rPr lang="en-GB" smtClean="0"/>
-              <a:t>04/06/2021</a:t>
+              <a:t>09/08/2021</a:t>
             </a:fld>
             <a:endParaRPr lang="en-GB"/>
           </a:p>
@@ -2826,7 +2828,7 @@
           <a:p>
             <a:fld id="{D6C40BEF-D6C5-451D-9273-72D7618BC3F2}" type="datetimeFigureOut">
               <a:rPr lang="en-GB" smtClean="0"/>
-              <a:t>04/06/2021</a:t>
+              <a:t>09/08/2021</a:t>
             </a:fld>
             <a:endParaRPr lang="en-GB"/>
           </a:p>
@@ -3094,7 +3096,7 @@
           <a:p>
             <a:fld id="{D6C40BEF-D6C5-451D-9273-72D7618BC3F2}" type="datetimeFigureOut">
               <a:rPr lang="en-GB" smtClean="0"/>
-              <a:t>04/06/2021</a:t>
+              <a:t>09/08/2021</a:t>
             </a:fld>
             <a:endParaRPr lang="en-GB"/>
           </a:p>
@@ -3509,7 +3511,7 @@
           <a:p>
             <a:fld id="{D6C40BEF-D6C5-451D-9273-72D7618BC3F2}" type="datetimeFigureOut">
               <a:rPr lang="en-GB" smtClean="0"/>
-              <a:t>04/06/2021</a:t>
+              <a:t>09/08/2021</a:t>
             </a:fld>
             <a:endParaRPr lang="en-GB"/>
           </a:p>
@@ -3651,7 +3653,7 @@
           <a:p>
             <a:fld id="{D6C40BEF-D6C5-451D-9273-72D7618BC3F2}" type="datetimeFigureOut">
               <a:rPr lang="en-GB" smtClean="0"/>
-              <a:t>04/06/2021</a:t>
+              <a:t>09/08/2021</a:t>
             </a:fld>
             <a:endParaRPr lang="en-GB"/>
           </a:p>
@@ -3764,7 +3766,7 @@
           <a:p>
             <a:fld id="{D6C40BEF-D6C5-451D-9273-72D7618BC3F2}" type="datetimeFigureOut">
               <a:rPr lang="en-GB" smtClean="0"/>
-              <a:t>04/06/2021</a:t>
+              <a:t>09/08/2021</a:t>
             </a:fld>
             <a:endParaRPr lang="en-GB"/>
           </a:p>
@@ -4077,7 +4079,7 @@
           <a:p>
             <a:fld id="{D6C40BEF-D6C5-451D-9273-72D7618BC3F2}" type="datetimeFigureOut">
               <a:rPr lang="en-GB" smtClean="0"/>
-              <a:t>04/06/2021</a:t>
+              <a:t>09/08/2021</a:t>
             </a:fld>
             <a:endParaRPr lang="en-GB"/>
           </a:p>
@@ -4366,7 +4368,7 @@
           <a:p>
             <a:fld id="{D6C40BEF-D6C5-451D-9273-72D7618BC3F2}" type="datetimeFigureOut">
               <a:rPr lang="en-GB" smtClean="0"/>
-              <a:t>04/06/2021</a:t>
+              <a:t>09/08/2021</a:t>
             </a:fld>
             <a:endParaRPr lang="en-GB"/>
           </a:p>
@@ -4609,7 +4611,7 @@
           <a:p>
             <a:fld id="{D6C40BEF-D6C5-451D-9273-72D7618BC3F2}" type="datetimeFigureOut">
               <a:rPr lang="en-GB" smtClean="0"/>
-              <a:t>04/06/2021</a:t>
+              <a:t>09/08/2021</a:t>
             </a:fld>
             <a:endParaRPr lang="en-GB"/>
           </a:p>
@@ -11165,6 +11167,1418 @@
 </p:sld>
 </file>
 
+<file path=ppt/slides/slide7.xml><?xml version="1.0" encoding="utf-8"?>
+<p:sld xmlns:a="http://schemas.openxmlformats.org/drawingml/2006/main" xmlns:r="http://schemas.openxmlformats.org/officeDocument/2006/relationships" xmlns:p="http://schemas.openxmlformats.org/presentationml/2006/main">
+  <p:cSld>
+    <p:spTree>
+      <p:nvGrpSpPr>
+        <p:cNvPr id="1" name=""/>
+        <p:cNvGrpSpPr/>
+        <p:nvPr/>
+      </p:nvGrpSpPr>
+      <p:grpSpPr>
+        <a:xfrm>
+          <a:off x="0" y="0"/>
+          <a:ext cx="0" cy="0"/>
+          <a:chOff x="0" y="0"/>
+          <a:chExt cx="0" cy="0"/>
+        </a:xfrm>
+      </p:grpSpPr>
+      <p:sp>
+        <p:nvSpPr>
+          <p:cNvPr id="4" name="Rectangle 3">
+            <a:extLst>
+              <a:ext uri="{FF2B5EF4-FFF2-40B4-BE49-F238E27FC236}">
+                <a16:creationId xmlns:a16="http://schemas.microsoft.com/office/drawing/2014/main" id="{3D84E3C3-1B87-442E-8C68-940BC5E3496D}"/>
+              </a:ext>
+            </a:extLst>
+          </p:cNvPr>
+          <p:cNvSpPr/>
+          <p:nvPr/>
+        </p:nvSpPr>
+        <p:spPr>
+          <a:xfrm>
+            <a:off x="5266014" y="1103269"/>
+            <a:ext cx="1510018" cy="528506"/>
+          </a:xfrm>
+          <a:prstGeom prst="rect">
+            <a:avLst/>
+          </a:prstGeom>
+        </p:spPr>
+        <p:style>
+          <a:lnRef idx="2">
+            <a:schemeClr val="accent6"/>
+          </a:lnRef>
+          <a:fillRef idx="1">
+            <a:schemeClr val="lt1"/>
+          </a:fillRef>
+          <a:effectRef idx="0">
+            <a:schemeClr val="accent6"/>
+          </a:effectRef>
+          <a:fontRef idx="minor">
+            <a:schemeClr val="dk1"/>
+          </a:fontRef>
+        </p:style>
+        <p:txBody>
+          <a:bodyPr rtlCol="0" anchor="ctr"/>
+          <a:lstStyle/>
+          <a:p>
+            <a:pPr algn="ctr"/>
+            <a:r>
+              <a:rPr lang="en-US" sz="1200" dirty="0"/>
+              <a:t>Telemetry 1</a:t>
+            </a:r>
+          </a:p>
+          <a:p>
+            <a:pPr algn="ctr"/>
+            <a:r>
+              <a:rPr lang="en-US" sz="1200" dirty="0"/>
+              <a:t>(UART3)</a:t>
+            </a:r>
+            <a:endParaRPr lang="en-GB" sz="1200" dirty="0"/>
+          </a:p>
+        </p:txBody>
+      </p:sp>
+      <p:sp>
+        <p:nvSpPr>
+          <p:cNvPr id="6" name="Rectangle 5">
+            <a:extLst>
+              <a:ext uri="{FF2B5EF4-FFF2-40B4-BE49-F238E27FC236}">
+                <a16:creationId xmlns:a16="http://schemas.microsoft.com/office/drawing/2014/main" id="{AD36319C-63A7-483C-AA68-60E2973A5AC7}"/>
+              </a:ext>
+            </a:extLst>
+          </p:cNvPr>
+          <p:cNvSpPr/>
+          <p:nvPr/>
+        </p:nvSpPr>
+        <p:spPr>
+          <a:xfrm>
+            <a:off x="5266014" y="1902099"/>
+            <a:ext cx="1510018" cy="528506"/>
+          </a:xfrm>
+          <a:prstGeom prst="rect">
+            <a:avLst/>
+          </a:prstGeom>
+        </p:spPr>
+        <p:style>
+          <a:lnRef idx="2">
+            <a:schemeClr val="accent6"/>
+          </a:lnRef>
+          <a:fillRef idx="1">
+            <a:schemeClr val="lt1"/>
+          </a:fillRef>
+          <a:effectRef idx="0">
+            <a:schemeClr val="accent6"/>
+          </a:effectRef>
+          <a:fontRef idx="minor">
+            <a:schemeClr val="dk1"/>
+          </a:fontRef>
+        </p:style>
+        <p:txBody>
+          <a:bodyPr rtlCol="0" anchor="ctr"/>
+          <a:lstStyle/>
+          <a:p>
+            <a:pPr algn="ctr"/>
+            <a:r>
+              <a:rPr lang="en-US" sz="1200" dirty="0"/>
+              <a:t>Telemetry 2</a:t>
+            </a:r>
+          </a:p>
+          <a:p>
+            <a:pPr algn="ctr"/>
+            <a:r>
+              <a:rPr lang="en-US" sz="1200" dirty="0"/>
+              <a:t>(UART5)</a:t>
+            </a:r>
+            <a:endParaRPr lang="en-GB" sz="1200" dirty="0"/>
+          </a:p>
+        </p:txBody>
+      </p:sp>
+      <p:sp>
+        <p:nvSpPr>
+          <p:cNvPr id="7" name="Rectangle 6">
+            <a:extLst>
+              <a:ext uri="{FF2B5EF4-FFF2-40B4-BE49-F238E27FC236}">
+                <a16:creationId xmlns:a16="http://schemas.microsoft.com/office/drawing/2014/main" id="{4F928FF4-ADF2-44E5-9713-7090DF654457}"/>
+              </a:ext>
+            </a:extLst>
+          </p:cNvPr>
+          <p:cNvSpPr/>
+          <p:nvPr/>
+        </p:nvSpPr>
+        <p:spPr>
+          <a:xfrm rot="16200000">
+            <a:off x="6902677" y="1397542"/>
+            <a:ext cx="1117052" cy="528506"/>
+          </a:xfrm>
+          <a:prstGeom prst="rect">
+            <a:avLst/>
+          </a:prstGeom>
+          <a:ln>
+            <a:prstDash val="lgDash"/>
+          </a:ln>
+        </p:spPr>
+        <p:style>
+          <a:lnRef idx="2">
+            <a:schemeClr val="accent6"/>
+          </a:lnRef>
+          <a:fillRef idx="1">
+            <a:schemeClr val="lt1"/>
+          </a:fillRef>
+          <a:effectRef idx="0">
+            <a:schemeClr val="accent6"/>
+          </a:effectRef>
+          <a:fontRef idx="minor">
+            <a:schemeClr val="dk1"/>
+          </a:fontRef>
+        </p:style>
+        <p:txBody>
+          <a:bodyPr rtlCol="0" anchor="ctr"/>
+          <a:lstStyle/>
+          <a:p>
+            <a:pPr algn="ctr"/>
+            <a:r>
+              <a:rPr lang="en-US" sz="1200" dirty="0"/>
+              <a:t>AUX UART2</a:t>
+            </a:r>
+          </a:p>
+          <a:p>
+            <a:pPr algn="ctr"/>
+            <a:r>
+              <a:rPr lang="en-US" sz="1200" dirty="0"/>
+              <a:t>(UART8)</a:t>
+            </a:r>
+            <a:endParaRPr lang="en-GB" sz="1200" dirty="0"/>
+          </a:p>
+        </p:txBody>
+      </p:sp>
+      <p:sp>
+        <p:nvSpPr>
+          <p:cNvPr id="8" name="Rectangle 7">
+            <a:extLst>
+              <a:ext uri="{FF2B5EF4-FFF2-40B4-BE49-F238E27FC236}">
+                <a16:creationId xmlns:a16="http://schemas.microsoft.com/office/drawing/2014/main" id="{6224B88C-DE3E-4F6C-8912-AEC372E2A610}"/>
+              </a:ext>
+            </a:extLst>
+          </p:cNvPr>
+          <p:cNvSpPr/>
+          <p:nvPr/>
+        </p:nvSpPr>
+        <p:spPr>
+          <a:xfrm rot="16200000">
+            <a:off x="7852102" y="1397542"/>
+            <a:ext cx="1117052" cy="528506"/>
+          </a:xfrm>
+          <a:prstGeom prst="rect">
+            <a:avLst/>
+          </a:prstGeom>
+        </p:spPr>
+        <p:style>
+          <a:lnRef idx="2">
+            <a:schemeClr val="accent1"/>
+          </a:lnRef>
+          <a:fillRef idx="1">
+            <a:schemeClr val="lt1"/>
+          </a:fillRef>
+          <a:effectRef idx="0">
+            <a:schemeClr val="accent1"/>
+          </a:effectRef>
+          <a:fontRef idx="minor">
+            <a:schemeClr val="dk1"/>
+          </a:fontRef>
+        </p:style>
+        <p:txBody>
+          <a:bodyPr rtlCol="0" anchor="ctr"/>
+          <a:lstStyle/>
+          <a:p>
+            <a:pPr algn="ctr"/>
+            <a:r>
+              <a:rPr lang="en-US" sz="1200" dirty="0"/>
+              <a:t>(I2C4)</a:t>
+            </a:r>
+            <a:endParaRPr lang="en-GB" sz="1200" dirty="0"/>
+          </a:p>
+        </p:txBody>
+      </p:sp>
+      <p:sp>
+        <p:nvSpPr>
+          <p:cNvPr id="9" name="Rectangle 8">
+            <a:extLst>
+              <a:ext uri="{FF2B5EF4-FFF2-40B4-BE49-F238E27FC236}">
+                <a16:creationId xmlns:a16="http://schemas.microsoft.com/office/drawing/2014/main" id="{D514FE72-67BA-4017-9C63-1FB86B23452A}"/>
+              </a:ext>
+            </a:extLst>
+          </p:cNvPr>
+          <p:cNvSpPr/>
+          <p:nvPr/>
+        </p:nvSpPr>
+        <p:spPr>
+          <a:xfrm rot="16200000">
+            <a:off x="8797227" y="1397542"/>
+            <a:ext cx="1117052" cy="528506"/>
+          </a:xfrm>
+          <a:prstGeom prst="rect">
+            <a:avLst/>
+          </a:prstGeom>
+        </p:spPr>
+        <p:style>
+          <a:lnRef idx="2">
+            <a:schemeClr val="accent1"/>
+          </a:lnRef>
+          <a:fillRef idx="1">
+            <a:schemeClr val="lt1"/>
+          </a:fillRef>
+          <a:effectRef idx="0">
+            <a:schemeClr val="accent1"/>
+          </a:effectRef>
+          <a:fontRef idx="minor">
+            <a:schemeClr val="dk1"/>
+          </a:fontRef>
+        </p:style>
+        <p:txBody>
+          <a:bodyPr rtlCol="0" anchor="ctr"/>
+          <a:lstStyle/>
+          <a:p>
+            <a:pPr algn="ctr"/>
+            <a:r>
+              <a:rPr lang="en-US" sz="1200" dirty="0"/>
+              <a:t>(I2C4)</a:t>
+            </a:r>
+            <a:endParaRPr lang="en-GB" sz="1200" dirty="0"/>
+          </a:p>
+        </p:txBody>
+      </p:sp>
+      <p:sp>
+        <p:nvSpPr>
+          <p:cNvPr id="10" name="Rectangle 9">
+            <a:extLst>
+              <a:ext uri="{FF2B5EF4-FFF2-40B4-BE49-F238E27FC236}">
+                <a16:creationId xmlns:a16="http://schemas.microsoft.com/office/drawing/2014/main" id="{35537DCB-127D-4D99-A61E-93ED49581879}"/>
+              </a:ext>
+            </a:extLst>
+          </p:cNvPr>
+          <p:cNvSpPr/>
+          <p:nvPr/>
+        </p:nvSpPr>
+        <p:spPr>
+          <a:xfrm>
+            <a:off x="2286594" y="3164747"/>
+            <a:ext cx="1510018" cy="528506"/>
+          </a:xfrm>
+          <a:prstGeom prst="rect">
+            <a:avLst/>
+          </a:prstGeom>
+        </p:spPr>
+        <p:style>
+          <a:lnRef idx="2">
+            <a:schemeClr val="accent6"/>
+          </a:lnRef>
+          <a:fillRef idx="1">
+            <a:schemeClr val="lt1"/>
+          </a:fillRef>
+          <a:effectRef idx="0">
+            <a:schemeClr val="accent6"/>
+          </a:effectRef>
+          <a:fontRef idx="minor">
+            <a:schemeClr val="dk1"/>
+          </a:fontRef>
+        </p:style>
+        <p:txBody>
+          <a:bodyPr rtlCol="0" anchor="ctr"/>
+          <a:lstStyle/>
+          <a:p>
+            <a:pPr algn="ctr"/>
+            <a:r>
+              <a:rPr lang="en-US" sz="1200" dirty="0"/>
+              <a:t>GPS</a:t>
+            </a:r>
+          </a:p>
+          <a:p>
+            <a:pPr algn="ctr"/>
+            <a:r>
+              <a:rPr lang="en-US" sz="1200" dirty="0"/>
+              <a:t>(UART9)</a:t>
+            </a:r>
+            <a:endParaRPr lang="en-GB" sz="1200" dirty="0"/>
+          </a:p>
+        </p:txBody>
+      </p:sp>
+      <p:sp>
+        <p:nvSpPr>
+          <p:cNvPr id="11" name="Rectangle 10">
+            <a:extLst>
+              <a:ext uri="{FF2B5EF4-FFF2-40B4-BE49-F238E27FC236}">
+                <a16:creationId xmlns:a16="http://schemas.microsoft.com/office/drawing/2014/main" id="{67490187-667D-4B89-AA80-DB9BA7B2019A}"/>
+              </a:ext>
+            </a:extLst>
+          </p:cNvPr>
+          <p:cNvSpPr/>
+          <p:nvPr/>
+        </p:nvSpPr>
+        <p:spPr>
+          <a:xfrm>
+            <a:off x="4098302" y="3164747"/>
+            <a:ext cx="1510018" cy="528506"/>
+          </a:xfrm>
+          <a:prstGeom prst="rect">
+            <a:avLst/>
+          </a:prstGeom>
+          <a:ln>
+            <a:prstDash val="lgDash"/>
+          </a:ln>
+        </p:spPr>
+        <p:style>
+          <a:lnRef idx="2">
+            <a:schemeClr val="accent6"/>
+          </a:lnRef>
+          <a:fillRef idx="1">
+            <a:schemeClr val="lt1"/>
+          </a:fillRef>
+          <a:effectRef idx="0">
+            <a:schemeClr val="accent6"/>
+          </a:effectRef>
+          <a:fontRef idx="minor">
+            <a:schemeClr val="dk1"/>
+          </a:fontRef>
+        </p:style>
+        <p:txBody>
+          <a:bodyPr rtlCol="0" anchor="ctr"/>
+          <a:lstStyle/>
+          <a:p>
+            <a:pPr algn="ctr"/>
+            <a:r>
+              <a:rPr lang="en-US" sz="1200" dirty="0"/>
+              <a:t>AUX UART1</a:t>
+            </a:r>
+          </a:p>
+          <a:p>
+            <a:pPr algn="ctr"/>
+            <a:r>
+              <a:rPr lang="en-US" sz="1200" dirty="0"/>
+              <a:t>(UART7)</a:t>
+            </a:r>
+            <a:endParaRPr lang="en-GB" sz="1200" dirty="0"/>
+          </a:p>
+        </p:txBody>
+      </p:sp>
+      <p:sp>
+        <p:nvSpPr>
+          <p:cNvPr id="12" name="Rectangle 11">
+            <a:extLst>
+              <a:ext uri="{FF2B5EF4-FFF2-40B4-BE49-F238E27FC236}">
+                <a16:creationId xmlns:a16="http://schemas.microsoft.com/office/drawing/2014/main" id="{BE0B259C-3491-4D16-9812-087067567C99}"/>
+              </a:ext>
+            </a:extLst>
+          </p:cNvPr>
+          <p:cNvSpPr/>
+          <p:nvPr/>
+        </p:nvSpPr>
+        <p:spPr>
+          <a:xfrm>
+            <a:off x="6021023" y="2974247"/>
+            <a:ext cx="1510018" cy="528506"/>
+          </a:xfrm>
+          <a:prstGeom prst="rect">
+            <a:avLst/>
+          </a:prstGeom>
+        </p:spPr>
+        <p:style>
+          <a:lnRef idx="2">
+            <a:schemeClr val="accent1"/>
+          </a:lnRef>
+          <a:fillRef idx="1">
+            <a:schemeClr val="lt1"/>
+          </a:fillRef>
+          <a:effectRef idx="0">
+            <a:schemeClr val="accent1"/>
+          </a:effectRef>
+          <a:fontRef idx="minor">
+            <a:schemeClr val="dk1"/>
+          </a:fontRef>
+        </p:style>
+        <p:txBody>
+          <a:bodyPr rtlCol="0" anchor="ctr"/>
+          <a:lstStyle/>
+          <a:p>
+            <a:pPr algn="ctr"/>
+            <a:r>
+              <a:rPr lang="en-US" sz="1200" dirty="0"/>
+              <a:t>AUX SPI1</a:t>
+            </a:r>
+          </a:p>
+          <a:p>
+            <a:pPr algn="ctr"/>
+            <a:r>
+              <a:rPr lang="en-US" sz="1200" dirty="0"/>
+              <a:t>(SPI4)</a:t>
+            </a:r>
+            <a:endParaRPr lang="en-GB" sz="1200" dirty="0"/>
+          </a:p>
+        </p:txBody>
+      </p:sp>
+      <p:sp>
+        <p:nvSpPr>
+          <p:cNvPr id="13" name="Rectangle 12">
+            <a:extLst>
+              <a:ext uri="{FF2B5EF4-FFF2-40B4-BE49-F238E27FC236}">
+                <a16:creationId xmlns:a16="http://schemas.microsoft.com/office/drawing/2014/main" id="{220B414E-2824-4D4C-8766-3E21C5EF737F}"/>
+              </a:ext>
+            </a:extLst>
+          </p:cNvPr>
+          <p:cNvSpPr/>
+          <p:nvPr/>
+        </p:nvSpPr>
+        <p:spPr>
+          <a:xfrm>
+            <a:off x="8125996" y="2974247"/>
+            <a:ext cx="1510018" cy="528506"/>
+          </a:xfrm>
+          <a:prstGeom prst="rect">
+            <a:avLst/>
+          </a:prstGeom>
+        </p:spPr>
+        <p:style>
+          <a:lnRef idx="2">
+            <a:schemeClr val="accent1"/>
+          </a:lnRef>
+          <a:fillRef idx="1">
+            <a:schemeClr val="lt1"/>
+          </a:fillRef>
+          <a:effectRef idx="0">
+            <a:schemeClr val="accent1"/>
+          </a:effectRef>
+          <a:fontRef idx="minor">
+            <a:schemeClr val="dk1"/>
+          </a:fontRef>
+        </p:style>
+        <p:txBody>
+          <a:bodyPr rtlCol="0" anchor="ctr"/>
+          <a:lstStyle/>
+          <a:p>
+            <a:pPr algn="ctr"/>
+            <a:r>
+              <a:rPr lang="en-US" sz="1200" dirty="0"/>
+              <a:t>AUX SPI2</a:t>
+            </a:r>
+          </a:p>
+          <a:p>
+            <a:pPr algn="ctr"/>
+            <a:r>
+              <a:rPr lang="en-US" sz="1200" dirty="0"/>
+              <a:t>(SPI4)</a:t>
+            </a:r>
+            <a:endParaRPr lang="en-GB" sz="1200" dirty="0"/>
+          </a:p>
+        </p:txBody>
+      </p:sp>
+      <p:sp>
+        <p:nvSpPr>
+          <p:cNvPr id="14" name="Content Placeholder 2">
+            <a:extLst>
+              <a:ext uri="{FF2B5EF4-FFF2-40B4-BE49-F238E27FC236}">
+                <a16:creationId xmlns:a16="http://schemas.microsoft.com/office/drawing/2014/main" id="{08B77FD8-F777-470F-8026-99088208FE00}"/>
+              </a:ext>
+            </a:extLst>
+          </p:cNvPr>
+          <p:cNvSpPr>
+            <a:spLocks noGrp="1"/>
+          </p:cNvSpPr>
+          <p:nvPr>
+            <p:ph idx="1"/>
+          </p:nvPr>
+        </p:nvSpPr>
+        <p:spPr>
+          <a:xfrm>
+            <a:off x="975360" y="4046395"/>
+            <a:ext cx="10378440" cy="2130568"/>
+          </a:xfrm>
+        </p:spPr>
+        <p:txBody>
+          <a:bodyPr>
+            <a:normAutofit fontScale="77500" lnSpcReduction="20000"/>
+          </a:bodyPr>
+          <a:lstStyle/>
+          <a:p>
+            <a:r>
+              <a:rPr lang="en-US" dirty="0">
+                <a:solidFill>
+                  <a:srgbClr val="00B050"/>
+                </a:solidFill>
+              </a:rPr>
+              <a:t>TELE1/2 and GPS</a:t>
+            </a:r>
+            <a:r>
+              <a:rPr lang="en-US" dirty="0"/>
+              <a:t> have 2 extra pins for flow control and power control. </a:t>
+            </a:r>
+            <a:r>
+              <a:rPr lang="en-US" dirty="0">
+                <a:solidFill>
+                  <a:srgbClr val="00B050"/>
+                </a:solidFill>
+              </a:rPr>
+              <a:t>AUX UART1/2 </a:t>
+            </a:r>
+            <a:r>
+              <a:rPr lang="en-US" dirty="0"/>
+              <a:t>have no extra pins. </a:t>
+            </a:r>
+          </a:p>
+          <a:p>
+            <a:r>
+              <a:rPr lang="en-US" dirty="0"/>
+              <a:t>TELE1 (UART3) -&gt; LORA</a:t>
+            </a:r>
+          </a:p>
+          <a:p>
+            <a:r>
+              <a:rPr lang="en-US" dirty="0"/>
+              <a:t>TELE2 (UART5) -&gt; I</a:t>
+            </a:r>
+            <a:r>
+              <a:rPr lang="en-US" altLang="zh-CN" dirty="0"/>
+              <a:t>ridium</a:t>
+            </a:r>
+          </a:p>
+          <a:p>
+            <a:r>
+              <a:rPr lang="en-US" altLang="zh-CN" dirty="0"/>
+              <a:t>AUX UART2 </a:t>
+            </a:r>
+            <a:r>
+              <a:rPr lang="en-GB" altLang="zh-CN" dirty="0"/>
+              <a:t>(UART8), 5V CH1 -&gt; SIM800c. </a:t>
+            </a:r>
+            <a:endParaRPr lang="en-US" altLang="zh-CN" dirty="0"/>
+          </a:p>
+          <a:p>
+            <a:r>
+              <a:rPr lang="en-US" dirty="0"/>
+              <a:t>GPS (UART9) </a:t>
+            </a:r>
+            <a:r>
+              <a:rPr lang="en-US" altLang="zh-CN" dirty="0"/>
+              <a:t>-&gt; GPS AR68GB</a:t>
+            </a:r>
+          </a:p>
+          <a:p>
+            <a:endParaRPr lang="en-US" altLang="zh-CN" dirty="0"/>
+          </a:p>
+          <a:p>
+            <a:endParaRPr lang="en-US" altLang="zh-CN" dirty="0"/>
+          </a:p>
+          <a:p>
+            <a:endParaRPr lang="en-GB" dirty="0"/>
+          </a:p>
+        </p:txBody>
+      </p:sp>
+    </p:spTree>
+    <p:extLst>
+      <p:ext uri="{BB962C8B-B14F-4D97-AF65-F5344CB8AC3E}">
+        <p14:creationId xmlns:p14="http://schemas.microsoft.com/office/powerpoint/2010/main" val="2544199251"/>
+      </p:ext>
+    </p:extLst>
+  </p:cSld>
+  <p:clrMapOvr>
+    <a:masterClrMapping/>
+  </p:clrMapOvr>
+</p:sld>
+</file>
+
+<file path=ppt/slides/slide8.xml><?xml version="1.0" encoding="utf-8"?>
+<p:sld xmlns:a="http://schemas.openxmlformats.org/drawingml/2006/main" xmlns:r="http://schemas.openxmlformats.org/officeDocument/2006/relationships" xmlns:p="http://schemas.openxmlformats.org/presentationml/2006/main">
+  <p:cSld>
+    <p:spTree>
+      <p:nvGrpSpPr>
+        <p:cNvPr id="1" name=""/>
+        <p:cNvGrpSpPr/>
+        <p:nvPr/>
+      </p:nvGrpSpPr>
+      <p:grpSpPr>
+        <a:xfrm>
+          <a:off x="0" y="0"/>
+          <a:ext cx="0" cy="0"/>
+          <a:chOff x="0" y="0"/>
+          <a:chExt cx="0" cy="0"/>
+        </a:xfrm>
+      </p:grpSpPr>
+      <p:sp>
+        <p:nvSpPr>
+          <p:cNvPr id="2" name="Title 1">
+            <a:extLst>
+              <a:ext uri="{FF2B5EF4-FFF2-40B4-BE49-F238E27FC236}">
+                <a16:creationId xmlns:a16="http://schemas.microsoft.com/office/drawing/2014/main" id="{538119A4-EBF2-47E0-BDEC-DCD5040EB51A}"/>
+              </a:ext>
+            </a:extLst>
+          </p:cNvPr>
+          <p:cNvSpPr>
+            <a:spLocks noGrp="1"/>
+          </p:cNvSpPr>
+          <p:nvPr>
+            <p:ph type="title"/>
+          </p:nvPr>
+        </p:nvSpPr>
+        <p:spPr/>
+        <p:txBody>
+          <a:bodyPr/>
+          <a:lstStyle/>
+          <a:p>
+            <a:r>
+              <a:rPr lang="en-GB" dirty="0"/>
+              <a:t>I</a:t>
+            </a:r>
+            <a:r>
+              <a:rPr lang="en-US" altLang="zh-CN" dirty="0" err="1"/>
+              <a:t>ridium</a:t>
+            </a:r>
+            <a:r>
+              <a:rPr lang="en-US" altLang="zh-CN" dirty="0"/>
+              <a:t> SBD9602 Connector</a:t>
+            </a:r>
+            <a:br>
+              <a:rPr lang="en-US" altLang="zh-CN" dirty="0"/>
+            </a:br>
+            <a:endParaRPr lang="en-GB" dirty="0"/>
+          </a:p>
+        </p:txBody>
+      </p:sp>
+      <p:graphicFrame>
+        <p:nvGraphicFramePr>
+          <p:cNvPr id="4" name="Table 4">
+            <a:extLst>
+              <a:ext uri="{FF2B5EF4-FFF2-40B4-BE49-F238E27FC236}">
+                <a16:creationId xmlns:a16="http://schemas.microsoft.com/office/drawing/2014/main" id="{09F8F314-F727-494C-B375-3B4B98BEA5B3}"/>
+              </a:ext>
+            </a:extLst>
+          </p:cNvPr>
+          <p:cNvGraphicFramePr>
+            <a:graphicFrameLocks noGrp="1"/>
+          </p:cNvGraphicFramePr>
+          <p:nvPr>
+            <p:ph idx="1"/>
+            <p:extLst>
+              <p:ext uri="{D42A27DB-BD31-4B8C-83A1-F6EECF244321}">
+                <p14:modId xmlns:p14="http://schemas.microsoft.com/office/powerpoint/2010/main" val="3833559711"/>
+              </p:ext>
+            </p:extLst>
+          </p:nvPr>
+        </p:nvGraphicFramePr>
+        <p:xfrm>
+          <a:off x="745921" y="2312186"/>
+          <a:ext cx="10515600" cy="1325562"/>
+        </p:xfrm>
+        <a:graphic>
+          <a:graphicData uri="http://schemas.openxmlformats.org/drawingml/2006/table">
+            <a:tbl>
+              <a:tblPr bandRow="1">
+                <a:tableStyleId>{5C22544A-7EE6-4342-B048-85BDC9FD1C3A}</a:tableStyleId>
+              </a:tblPr>
+              <a:tblGrid>
+                <a:gridCol w="1051560">
+                  <a:extLst>
+                    <a:ext uri="{9D8B030D-6E8A-4147-A177-3AD203B41FA5}">
+                      <a16:colId xmlns:a16="http://schemas.microsoft.com/office/drawing/2014/main" val="1967437637"/>
+                    </a:ext>
+                  </a:extLst>
+                </a:gridCol>
+                <a:gridCol w="1051560">
+                  <a:extLst>
+                    <a:ext uri="{9D8B030D-6E8A-4147-A177-3AD203B41FA5}">
+                      <a16:colId xmlns:a16="http://schemas.microsoft.com/office/drawing/2014/main" val="2897613033"/>
+                    </a:ext>
+                  </a:extLst>
+                </a:gridCol>
+                <a:gridCol w="1051560">
+                  <a:extLst>
+                    <a:ext uri="{9D8B030D-6E8A-4147-A177-3AD203B41FA5}">
+                      <a16:colId xmlns:a16="http://schemas.microsoft.com/office/drawing/2014/main" val="3838649246"/>
+                    </a:ext>
+                  </a:extLst>
+                </a:gridCol>
+                <a:gridCol w="1051560">
+                  <a:extLst>
+                    <a:ext uri="{9D8B030D-6E8A-4147-A177-3AD203B41FA5}">
+                      <a16:colId xmlns:a16="http://schemas.microsoft.com/office/drawing/2014/main" val="1519467339"/>
+                    </a:ext>
+                  </a:extLst>
+                </a:gridCol>
+                <a:gridCol w="1051560">
+                  <a:extLst>
+                    <a:ext uri="{9D8B030D-6E8A-4147-A177-3AD203B41FA5}">
+                      <a16:colId xmlns:a16="http://schemas.microsoft.com/office/drawing/2014/main" val="1181825185"/>
+                    </a:ext>
+                  </a:extLst>
+                </a:gridCol>
+                <a:gridCol w="1051560">
+                  <a:extLst>
+                    <a:ext uri="{9D8B030D-6E8A-4147-A177-3AD203B41FA5}">
+                      <a16:colId xmlns:a16="http://schemas.microsoft.com/office/drawing/2014/main" val="1550588520"/>
+                    </a:ext>
+                  </a:extLst>
+                </a:gridCol>
+                <a:gridCol w="1051560">
+                  <a:extLst>
+                    <a:ext uri="{9D8B030D-6E8A-4147-A177-3AD203B41FA5}">
+                      <a16:colId xmlns:a16="http://schemas.microsoft.com/office/drawing/2014/main" val="4108442288"/>
+                    </a:ext>
+                  </a:extLst>
+                </a:gridCol>
+                <a:gridCol w="1051560">
+                  <a:extLst>
+                    <a:ext uri="{9D8B030D-6E8A-4147-A177-3AD203B41FA5}">
+                      <a16:colId xmlns:a16="http://schemas.microsoft.com/office/drawing/2014/main" val="3445211"/>
+                    </a:ext>
+                  </a:extLst>
+                </a:gridCol>
+                <a:gridCol w="1051560">
+                  <a:extLst>
+                    <a:ext uri="{9D8B030D-6E8A-4147-A177-3AD203B41FA5}">
+                      <a16:colId xmlns:a16="http://schemas.microsoft.com/office/drawing/2014/main" val="2063692878"/>
+                    </a:ext>
+                  </a:extLst>
+                </a:gridCol>
+                <a:gridCol w="1051560">
+                  <a:extLst>
+                    <a:ext uri="{9D8B030D-6E8A-4147-A177-3AD203B41FA5}">
+                      <a16:colId xmlns:a16="http://schemas.microsoft.com/office/drawing/2014/main" val="2255264601"/>
+                    </a:ext>
+                  </a:extLst>
+                </a:gridCol>
+              </a:tblGrid>
+              <a:tr h="662781">
+                <a:tc>
+                  <a:txBody>
+                    <a:bodyPr/>
+                    <a:lstStyle/>
+                    <a:p>
+                      <a:pPr algn="ctr"/>
+                      <a:r>
+                        <a:rPr lang="en-GB" dirty="0"/>
+                        <a:t>5V</a:t>
+                      </a:r>
+                    </a:p>
+                  </a:txBody>
+                  <a:tcPr anchor="ctr"/>
+                </a:tc>
+                <a:tc>
+                  <a:txBody>
+                    <a:bodyPr/>
+                    <a:lstStyle/>
+                    <a:p>
+                      <a:pPr algn="ctr"/>
+                      <a:r>
+                        <a:rPr lang="en-GB" dirty="0"/>
+                        <a:t>GND</a:t>
+                      </a:r>
+                    </a:p>
+                  </a:txBody>
+                  <a:tcPr anchor="ctr"/>
+                </a:tc>
+                <a:tc>
+                  <a:txBody>
+                    <a:bodyPr/>
+                    <a:lstStyle/>
+                    <a:p>
+                      <a:pPr algn="ctr"/>
+                      <a:r>
+                        <a:rPr lang="en-GB" dirty="0"/>
+                        <a:t>RX (input)</a:t>
+                      </a:r>
+                    </a:p>
+                  </a:txBody>
+                  <a:tcPr anchor="ctr"/>
+                </a:tc>
+                <a:tc>
+                  <a:txBody>
+                    <a:bodyPr/>
+                    <a:lstStyle/>
+                    <a:p>
+                      <a:pPr algn="ctr"/>
+                      <a:r>
+                        <a:rPr lang="en-GB" dirty="0"/>
+                        <a:t>SGND</a:t>
+                      </a:r>
+                    </a:p>
+                  </a:txBody>
+                  <a:tcPr anchor="ctr"/>
+                </a:tc>
+                <a:tc>
+                  <a:txBody>
+                    <a:bodyPr/>
+                    <a:lstStyle/>
+                    <a:p>
+                      <a:pPr algn="ctr"/>
+                      <a:r>
+                        <a:rPr lang="en-GB" dirty="0"/>
+                        <a:t>DSR</a:t>
+                      </a:r>
+                    </a:p>
+                  </a:txBody>
+                  <a:tcPr anchor="ctr"/>
+                </a:tc>
+                <a:tc>
+                  <a:txBody>
+                    <a:bodyPr/>
+                    <a:lstStyle/>
+                    <a:p>
+                      <a:pPr algn="ctr"/>
+                      <a:r>
+                        <a:rPr lang="en-GB" dirty="0"/>
+                        <a:t>RI</a:t>
+                      </a:r>
+                    </a:p>
+                  </a:txBody>
+                  <a:tcPr anchor="ctr"/>
+                </a:tc>
+                <a:tc>
+                  <a:txBody>
+                    <a:bodyPr/>
+                    <a:lstStyle/>
+                    <a:p>
+                      <a:pPr algn="ctr"/>
+                      <a:r>
+                        <a:rPr lang="en-GB" dirty="0"/>
+                        <a:t>DTR</a:t>
+                      </a:r>
+                    </a:p>
+                  </a:txBody>
+                  <a:tcPr anchor="ctr"/>
+                </a:tc>
+                <a:tc>
+                  <a:txBody>
+                    <a:bodyPr/>
+                    <a:lstStyle/>
+                    <a:p>
+                      <a:pPr algn="ctr"/>
+                      <a:r>
+                        <a:rPr lang="en-GB" dirty="0"/>
+                        <a:t>RES</a:t>
+                      </a:r>
+                    </a:p>
+                  </a:txBody>
+                  <a:tcPr anchor="ctr"/>
+                </a:tc>
+                <a:tc>
+                  <a:txBody>
+                    <a:bodyPr/>
+                    <a:lstStyle/>
+                    <a:p>
+                      <a:pPr algn="ctr"/>
+                      <a:r>
+                        <a:rPr lang="en-GB" dirty="0"/>
+                        <a:t>SGND</a:t>
+                      </a:r>
+                    </a:p>
+                  </a:txBody>
+                  <a:tcPr anchor="ctr"/>
+                </a:tc>
+                <a:tc>
+                  <a:txBody>
+                    <a:bodyPr/>
+                    <a:lstStyle/>
+                    <a:p>
+                      <a:pPr algn="ctr"/>
+                      <a:r>
+                        <a:rPr lang="en-GB" dirty="0"/>
+                        <a:t>3.3v LED</a:t>
+                      </a:r>
+                    </a:p>
+                  </a:txBody>
+                  <a:tcPr anchor="ctr"/>
+                </a:tc>
+                <a:extLst>
+                  <a:ext uri="{0D108BD9-81ED-4DB2-BD59-A6C34878D82A}">
+                    <a16:rowId xmlns:a16="http://schemas.microsoft.com/office/drawing/2014/main" val="1794317802"/>
+                  </a:ext>
+                </a:extLst>
+              </a:tr>
+              <a:tr h="662781">
+                <a:tc>
+                  <a:txBody>
+                    <a:bodyPr/>
+                    <a:lstStyle/>
+                    <a:p>
+                      <a:pPr algn="ctr"/>
+                      <a:r>
+                        <a:rPr lang="en-GB" dirty="0"/>
+                        <a:t>5V</a:t>
+                      </a:r>
+                    </a:p>
+                  </a:txBody>
+                  <a:tcPr anchor="ctr"/>
+                </a:tc>
+                <a:tc>
+                  <a:txBody>
+                    <a:bodyPr/>
+                    <a:lstStyle/>
+                    <a:p>
+                      <a:pPr algn="ctr"/>
+                      <a:r>
+                        <a:rPr lang="en-GB" dirty="0"/>
+                        <a:t>GND</a:t>
+                      </a:r>
+                    </a:p>
+                  </a:txBody>
+                  <a:tcPr anchor="ctr"/>
+                </a:tc>
+                <a:tc>
+                  <a:txBody>
+                    <a:bodyPr/>
+                    <a:lstStyle/>
+                    <a:p>
+                      <a:pPr algn="ctr"/>
+                      <a:r>
+                        <a:rPr lang="en-GB" dirty="0"/>
+                        <a:t>ON/OFF</a:t>
+                      </a:r>
+                    </a:p>
+                  </a:txBody>
+                  <a:tcPr anchor="ctr"/>
+                </a:tc>
+                <a:tc>
+                  <a:txBody>
+                    <a:bodyPr/>
+                    <a:lstStyle/>
+                    <a:p>
+                      <a:pPr algn="ctr"/>
+                      <a:r>
+                        <a:rPr lang="en-GB" dirty="0"/>
+                        <a:t>TX (output)</a:t>
+                      </a:r>
+                    </a:p>
+                  </a:txBody>
+                  <a:tcPr anchor="ctr"/>
+                </a:tc>
+                <a:tc>
+                  <a:txBody>
+                    <a:bodyPr/>
+                    <a:lstStyle/>
+                    <a:p>
+                      <a:pPr algn="ctr"/>
+                      <a:r>
+                        <a:rPr lang="en-US" dirty="0"/>
+                        <a:t>DCD</a:t>
+                      </a:r>
+                      <a:endParaRPr lang="en-GB" dirty="0"/>
+                    </a:p>
+                  </a:txBody>
+                  <a:tcPr anchor="ctr"/>
+                </a:tc>
+                <a:tc>
+                  <a:txBody>
+                    <a:bodyPr/>
+                    <a:lstStyle/>
+                    <a:p>
+                      <a:pPr algn="ctr"/>
+                      <a:r>
+                        <a:rPr lang="en-GB" dirty="0"/>
+                        <a:t>CTS</a:t>
+                      </a:r>
+                    </a:p>
+                  </a:txBody>
+                  <a:tcPr anchor="ctr"/>
+                </a:tc>
+                <a:tc>
+                  <a:txBody>
+                    <a:bodyPr/>
+                    <a:lstStyle/>
+                    <a:p>
+                      <a:pPr algn="ctr"/>
+                      <a:r>
+                        <a:rPr lang="en-GB" dirty="0"/>
+                        <a:t>RTS</a:t>
+                      </a:r>
+                    </a:p>
+                  </a:txBody>
+                  <a:tcPr anchor="ctr"/>
+                </a:tc>
+                <a:tc>
+                  <a:txBody>
+                    <a:bodyPr/>
+                    <a:lstStyle/>
+                    <a:p>
+                      <a:pPr algn="ctr"/>
+                      <a:r>
+                        <a:rPr lang="en-GB" dirty="0"/>
+                        <a:t>SGND</a:t>
+                      </a:r>
+                    </a:p>
+                  </a:txBody>
+                  <a:tcPr anchor="ctr"/>
+                </a:tc>
+                <a:tc>
+                  <a:txBody>
+                    <a:bodyPr/>
+                    <a:lstStyle/>
+                    <a:p>
+                      <a:pPr algn="ctr"/>
+                      <a:r>
+                        <a:rPr lang="en-GB" dirty="0"/>
+                        <a:t>RES</a:t>
+                      </a:r>
+                    </a:p>
+                  </a:txBody>
+                  <a:tcPr anchor="ctr"/>
+                </a:tc>
+                <a:tc>
+                  <a:txBody>
+                    <a:bodyPr/>
+                    <a:lstStyle/>
+                    <a:p>
+                      <a:pPr algn="ctr"/>
+                      <a:r>
+                        <a:rPr lang="en-GB" dirty="0"/>
+                        <a:t>N</a:t>
+                      </a:r>
+                      <a:r>
+                        <a:rPr lang="en-US" altLang="zh-CN" dirty="0" err="1"/>
+                        <a:t>etwork</a:t>
+                      </a:r>
+                      <a:r>
+                        <a:rPr lang="en-US" altLang="zh-CN" dirty="0"/>
+                        <a:t> Available</a:t>
+                      </a:r>
+                      <a:endParaRPr lang="en-GB" dirty="0"/>
+                    </a:p>
+                  </a:txBody>
+                  <a:tcPr anchor="ctr"/>
+                </a:tc>
+                <a:extLst>
+                  <a:ext uri="{0D108BD9-81ED-4DB2-BD59-A6C34878D82A}">
+                    <a16:rowId xmlns:a16="http://schemas.microsoft.com/office/drawing/2014/main" val="3527913978"/>
+                  </a:ext>
+                </a:extLst>
+              </a:tr>
+            </a:tbl>
+          </a:graphicData>
+        </a:graphic>
+      </p:graphicFrame>
+      <p:sp>
+        <p:nvSpPr>
+          <p:cNvPr id="5" name="TextBox 4">
+            <a:extLst>
+              <a:ext uri="{FF2B5EF4-FFF2-40B4-BE49-F238E27FC236}">
+                <a16:creationId xmlns:a16="http://schemas.microsoft.com/office/drawing/2014/main" id="{9C29C672-697F-4ABC-B278-3DC639E2FEB8}"/>
+              </a:ext>
+            </a:extLst>
+          </p:cNvPr>
+          <p:cNvSpPr txBox="1"/>
+          <p:nvPr/>
+        </p:nvSpPr>
+        <p:spPr>
+          <a:xfrm>
+            <a:off x="285225" y="3171039"/>
+            <a:ext cx="301686" cy="369332"/>
+          </a:xfrm>
+          <a:prstGeom prst="rect">
+            <a:avLst/>
+          </a:prstGeom>
+          <a:noFill/>
+        </p:spPr>
+        <p:txBody>
+          <a:bodyPr wrap="none" rtlCol="0">
+            <a:spAutoFit/>
+          </a:bodyPr>
+          <a:lstStyle/>
+          <a:p>
+            <a:r>
+              <a:rPr lang="en-GB" dirty="0"/>
+              <a:t>1</a:t>
+            </a:r>
+          </a:p>
+        </p:txBody>
+      </p:sp>
+      <p:sp>
+        <p:nvSpPr>
+          <p:cNvPr id="7" name="TextBox 6">
+            <a:extLst>
+              <a:ext uri="{FF2B5EF4-FFF2-40B4-BE49-F238E27FC236}">
+                <a16:creationId xmlns:a16="http://schemas.microsoft.com/office/drawing/2014/main" id="{9B8A0EFA-47EE-421D-BA85-86732873D370}"/>
+              </a:ext>
+            </a:extLst>
+          </p:cNvPr>
+          <p:cNvSpPr txBox="1"/>
+          <p:nvPr/>
+        </p:nvSpPr>
+        <p:spPr>
+          <a:xfrm>
+            <a:off x="285225" y="2345851"/>
+            <a:ext cx="301686" cy="369332"/>
+          </a:xfrm>
+          <a:prstGeom prst="rect">
+            <a:avLst/>
+          </a:prstGeom>
+          <a:noFill/>
+        </p:spPr>
+        <p:txBody>
+          <a:bodyPr wrap="none" rtlCol="0">
+            <a:spAutoFit/>
+          </a:bodyPr>
+          <a:lstStyle/>
+          <a:p>
+            <a:r>
+              <a:rPr lang="en-GB" dirty="0"/>
+              <a:t>2</a:t>
+            </a:r>
+          </a:p>
+        </p:txBody>
+      </p:sp>
+      <p:sp>
+        <p:nvSpPr>
+          <p:cNvPr id="8" name="TextBox 7">
+            <a:extLst>
+              <a:ext uri="{FF2B5EF4-FFF2-40B4-BE49-F238E27FC236}">
+                <a16:creationId xmlns:a16="http://schemas.microsoft.com/office/drawing/2014/main" id="{D9C67CFB-628B-4CC1-A54F-58474FDD364A}"/>
+              </a:ext>
+            </a:extLst>
+          </p:cNvPr>
+          <p:cNvSpPr txBox="1"/>
+          <p:nvPr/>
+        </p:nvSpPr>
+        <p:spPr>
+          <a:xfrm>
+            <a:off x="11362189" y="2405972"/>
+            <a:ext cx="418704" cy="369332"/>
+          </a:xfrm>
+          <a:prstGeom prst="rect">
+            <a:avLst/>
+          </a:prstGeom>
+          <a:noFill/>
+        </p:spPr>
+        <p:txBody>
+          <a:bodyPr wrap="none" rtlCol="0">
+            <a:spAutoFit/>
+          </a:bodyPr>
+          <a:lstStyle/>
+          <a:p>
+            <a:r>
+              <a:rPr lang="en-GB" dirty="0"/>
+              <a:t>20</a:t>
+            </a:r>
+          </a:p>
+        </p:txBody>
+      </p:sp>
+      <p:sp>
+        <p:nvSpPr>
+          <p:cNvPr id="9" name="Content Placeholder 2">
+            <a:extLst>
+              <a:ext uri="{FF2B5EF4-FFF2-40B4-BE49-F238E27FC236}">
+                <a16:creationId xmlns:a16="http://schemas.microsoft.com/office/drawing/2014/main" id="{C4584466-4F4B-48C0-BC66-F2C7253BE8CA}"/>
+              </a:ext>
+            </a:extLst>
+          </p:cNvPr>
+          <p:cNvSpPr txBox="1">
+            <a:spLocks/>
+          </p:cNvSpPr>
+          <p:nvPr/>
+        </p:nvSpPr>
+        <p:spPr>
+          <a:xfrm>
+            <a:off x="975360" y="4046395"/>
+            <a:ext cx="10378440" cy="2130568"/>
+          </a:xfrm>
+          <a:prstGeom prst="rect">
+            <a:avLst/>
+          </a:prstGeom>
+        </p:spPr>
+        <p:txBody>
+          <a:bodyPr vert="horz" lIns="91440" tIns="45720" rIns="91440" bIns="45720" rtlCol="0">
+            <a:normAutofit/>
+          </a:bodyPr>
+          <a:lstStyle>
+            <a:lvl1pPr marL="228600" indent="-228600" algn="l" defTabSz="914400" rtl="0" eaLnBrk="1" latinLnBrk="0" hangingPunct="1">
+              <a:lnSpc>
+                <a:spcPct val="90000"/>
+              </a:lnSpc>
+              <a:spcBef>
+                <a:spcPts val="1000"/>
+              </a:spcBef>
+              <a:buFont typeface="Arial" panose="020B0604020202020204" pitchFamily="34" charset="0"/>
+              <a:buChar char="•"/>
+              <a:defRPr sz="2800" kern="1200">
+                <a:solidFill>
+                  <a:schemeClr val="tx1"/>
+                </a:solidFill>
+                <a:latin typeface="+mn-lt"/>
+                <a:ea typeface="+mn-ea"/>
+                <a:cs typeface="+mn-cs"/>
+              </a:defRPr>
+            </a:lvl1pPr>
+            <a:lvl2pPr marL="685800" indent="-228600" algn="l" defTabSz="914400" rtl="0" eaLnBrk="1" latinLnBrk="0" hangingPunct="1">
+              <a:lnSpc>
+                <a:spcPct val="90000"/>
+              </a:lnSpc>
+              <a:spcBef>
+                <a:spcPts val="500"/>
+              </a:spcBef>
+              <a:buFont typeface="Arial" panose="020B0604020202020204" pitchFamily="34" charset="0"/>
+              <a:buChar char="•"/>
+              <a:defRPr sz="2400" kern="1200">
+                <a:solidFill>
+                  <a:schemeClr val="tx1"/>
+                </a:solidFill>
+                <a:latin typeface="+mn-lt"/>
+                <a:ea typeface="+mn-ea"/>
+                <a:cs typeface="+mn-cs"/>
+              </a:defRPr>
+            </a:lvl2pPr>
+            <a:lvl3pPr marL="1143000" indent="-228600" algn="l" defTabSz="914400" rtl="0" eaLnBrk="1" latinLnBrk="0" hangingPunct="1">
+              <a:lnSpc>
+                <a:spcPct val="90000"/>
+              </a:lnSpc>
+              <a:spcBef>
+                <a:spcPts val="500"/>
+              </a:spcBef>
+              <a:buFont typeface="Arial" panose="020B0604020202020204" pitchFamily="34" charset="0"/>
+              <a:buChar char="•"/>
+              <a:defRPr sz="2000" kern="1200">
+                <a:solidFill>
+                  <a:schemeClr val="tx1"/>
+                </a:solidFill>
+                <a:latin typeface="+mn-lt"/>
+                <a:ea typeface="+mn-ea"/>
+                <a:cs typeface="+mn-cs"/>
+              </a:defRPr>
+            </a:lvl3pPr>
+            <a:lvl4pPr marL="1600200" indent="-228600" algn="l" defTabSz="914400" rtl="0" eaLnBrk="1" latinLnBrk="0" hangingPunct="1">
+              <a:lnSpc>
+                <a:spcPct val="90000"/>
+              </a:lnSpc>
+              <a:spcBef>
+                <a:spcPts val="500"/>
+              </a:spcBef>
+              <a:buFont typeface="Arial" panose="020B0604020202020204" pitchFamily="34" charset="0"/>
+              <a:buChar char="•"/>
+              <a:defRPr sz="1800" kern="1200">
+                <a:solidFill>
+                  <a:schemeClr val="tx1"/>
+                </a:solidFill>
+                <a:latin typeface="+mn-lt"/>
+                <a:ea typeface="+mn-ea"/>
+                <a:cs typeface="+mn-cs"/>
+              </a:defRPr>
+            </a:lvl4pPr>
+            <a:lvl5pPr marL="2057400" indent="-228600" algn="l" defTabSz="914400" rtl="0" eaLnBrk="1" latinLnBrk="0" hangingPunct="1">
+              <a:lnSpc>
+                <a:spcPct val="90000"/>
+              </a:lnSpc>
+              <a:spcBef>
+                <a:spcPts val="500"/>
+              </a:spcBef>
+              <a:buFont typeface="Arial" panose="020B0604020202020204" pitchFamily="34" charset="0"/>
+              <a:buChar char="•"/>
+              <a:defRPr sz="1800" kern="1200">
+                <a:solidFill>
+                  <a:schemeClr val="tx1"/>
+                </a:solidFill>
+                <a:latin typeface="+mn-lt"/>
+                <a:ea typeface="+mn-ea"/>
+                <a:cs typeface="+mn-cs"/>
+              </a:defRPr>
+            </a:lvl5pPr>
+            <a:lvl6pPr marL="2514600" indent="-228600" algn="l" defTabSz="914400" rtl="0" eaLnBrk="1" latinLnBrk="0" hangingPunct="1">
+              <a:lnSpc>
+                <a:spcPct val="90000"/>
+              </a:lnSpc>
+              <a:spcBef>
+                <a:spcPts val="500"/>
+              </a:spcBef>
+              <a:buFont typeface="Arial" panose="020B0604020202020204" pitchFamily="34" charset="0"/>
+              <a:buChar char="•"/>
+              <a:defRPr sz="1800" kern="1200">
+                <a:solidFill>
+                  <a:schemeClr val="tx1"/>
+                </a:solidFill>
+                <a:latin typeface="+mn-lt"/>
+                <a:ea typeface="+mn-ea"/>
+                <a:cs typeface="+mn-cs"/>
+              </a:defRPr>
+            </a:lvl6pPr>
+            <a:lvl7pPr marL="2971800" indent="-228600" algn="l" defTabSz="914400" rtl="0" eaLnBrk="1" latinLnBrk="0" hangingPunct="1">
+              <a:lnSpc>
+                <a:spcPct val="90000"/>
+              </a:lnSpc>
+              <a:spcBef>
+                <a:spcPts val="500"/>
+              </a:spcBef>
+              <a:buFont typeface="Arial" panose="020B0604020202020204" pitchFamily="34" charset="0"/>
+              <a:buChar char="•"/>
+              <a:defRPr sz="1800" kern="1200">
+                <a:solidFill>
+                  <a:schemeClr val="tx1"/>
+                </a:solidFill>
+                <a:latin typeface="+mn-lt"/>
+                <a:ea typeface="+mn-ea"/>
+                <a:cs typeface="+mn-cs"/>
+              </a:defRPr>
+            </a:lvl7pPr>
+            <a:lvl8pPr marL="3429000" indent="-228600" algn="l" defTabSz="914400" rtl="0" eaLnBrk="1" latinLnBrk="0" hangingPunct="1">
+              <a:lnSpc>
+                <a:spcPct val="90000"/>
+              </a:lnSpc>
+              <a:spcBef>
+                <a:spcPts val="500"/>
+              </a:spcBef>
+              <a:buFont typeface="Arial" panose="020B0604020202020204" pitchFamily="34" charset="0"/>
+              <a:buChar char="•"/>
+              <a:defRPr sz="1800" kern="1200">
+                <a:solidFill>
+                  <a:schemeClr val="tx1"/>
+                </a:solidFill>
+                <a:latin typeface="+mn-lt"/>
+                <a:ea typeface="+mn-ea"/>
+                <a:cs typeface="+mn-cs"/>
+              </a:defRPr>
+            </a:lvl8pPr>
+            <a:lvl9pPr marL="3886200" indent="-228600" algn="l" defTabSz="914400" rtl="0" eaLnBrk="1" latinLnBrk="0" hangingPunct="1">
+              <a:lnSpc>
+                <a:spcPct val="90000"/>
+              </a:lnSpc>
+              <a:spcBef>
+                <a:spcPts val="500"/>
+              </a:spcBef>
+              <a:buFont typeface="Arial" panose="020B0604020202020204" pitchFamily="34" charset="0"/>
+              <a:buChar char="•"/>
+              <a:defRPr sz="1800" kern="1200">
+                <a:solidFill>
+                  <a:schemeClr val="tx1"/>
+                </a:solidFill>
+                <a:latin typeface="+mn-lt"/>
+                <a:ea typeface="+mn-ea"/>
+                <a:cs typeface="+mn-cs"/>
+              </a:defRPr>
+            </a:lvl9pPr>
+          </a:lstStyle>
+          <a:p>
+            <a:r>
+              <a:rPr lang="en-US" altLang="zh-CN" dirty="0"/>
+              <a:t>DTR must be low for the module to receive AT CMD</a:t>
+            </a:r>
+          </a:p>
+          <a:p>
+            <a:endParaRPr lang="en-US" altLang="zh-CN" dirty="0"/>
+          </a:p>
+          <a:p>
+            <a:endParaRPr lang="en-US" altLang="zh-CN" dirty="0"/>
+          </a:p>
+          <a:p>
+            <a:endParaRPr lang="en-GB" dirty="0"/>
+          </a:p>
+        </p:txBody>
+      </p:sp>
+    </p:spTree>
+    <p:extLst>
+      <p:ext uri="{BB962C8B-B14F-4D97-AF65-F5344CB8AC3E}">
+        <p14:creationId xmlns:p14="http://schemas.microsoft.com/office/powerpoint/2010/main" val="3435187901"/>
+      </p:ext>
+    </p:extLst>
+  </p:cSld>
+  <p:clrMapOvr>
+    <a:masterClrMapping/>
+  </p:clrMapOvr>
+</p:sld>
+</file>
+
 <file path=ppt/theme/theme1.xml><?xml version="1.0" encoding="utf-8"?>
 <a:theme xmlns:a="http://schemas.openxmlformats.org/drawingml/2006/main" name="Office Theme">
   <a:themeElements>

--- a/doc/DeepPlankter-digrams.pptx
+++ b/doc/DeepPlankter-digrams.pptx
@@ -13,6 +13,9 @@
     <p:sldId id="260" r:id="rId7"/>
     <p:sldId id="262" r:id="rId8"/>
     <p:sldId id="263" r:id="rId9"/>
+    <p:sldId id="264" r:id="rId10"/>
+    <p:sldId id="265" r:id="rId11"/>
+    <p:sldId id="266" r:id="rId12"/>
   </p:sldIdLst>
   <p:sldSz cx="12192000" cy="6858000"/>
   <p:notesSz cx="6858000" cy="9144000"/>
@@ -1942,7 +1945,7 @@
           <a:p>
             <a:fld id="{D6C40BEF-D6C5-451D-9273-72D7618BC3F2}" type="datetimeFigureOut">
               <a:rPr lang="en-GB" smtClean="0"/>
-              <a:t>09/08/2021</a:t>
+              <a:t>10/02/2022</a:t>
             </a:fld>
             <a:endParaRPr lang="en-GB"/>
           </a:p>
@@ -2142,7 +2145,7 @@
           <a:p>
             <a:fld id="{D6C40BEF-D6C5-451D-9273-72D7618BC3F2}" type="datetimeFigureOut">
               <a:rPr lang="en-GB" smtClean="0"/>
-              <a:t>09/08/2021</a:t>
+              <a:t>10/02/2022</a:t>
             </a:fld>
             <a:endParaRPr lang="en-GB"/>
           </a:p>
@@ -2352,7 +2355,7 @@
           <a:p>
             <a:fld id="{D6C40BEF-D6C5-451D-9273-72D7618BC3F2}" type="datetimeFigureOut">
               <a:rPr lang="en-GB" smtClean="0"/>
-              <a:t>09/08/2021</a:t>
+              <a:t>10/02/2022</a:t>
             </a:fld>
             <a:endParaRPr lang="en-GB"/>
           </a:p>
@@ -2552,7 +2555,7 @@
           <a:p>
             <a:fld id="{D6C40BEF-D6C5-451D-9273-72D7618BC3F2}" type="datetimeFigureOut">
               <a:rPr lang="en-GB" smtClean="0"/>
-              <a:t>09/08/2021</a:t>
+              <a:t>10/02/2022</a:t>
             </a:fld>
             <a:endParaRPr lang="en-GB"/>
           </a:p>
@@ -2828,7 +2831,7 @@
           <a:p>
             <a:fld id="{D6C40BEF-D6C5-451D-9273-72D7618BC3F2}" type="datetimeFigureOut">
               <a:rPr lang="en-GB" smtClean="0"/>
-              <a:t>09/08/2021</a:t>
+              <a:t>10/02/2022</a:t>
             </a:fld>
             <a:endParaRPr lang="en-GB"/>
           </a:p>
@@ -3096,7 +3099,7 @@
           <a:p>
             <a:fld id="{D6C40BEF-D6C5-451D-9273-72D7618BC3F2}" type="datetimeFigureOut">
               <a:rPr lang="en-GB" smtClean="0"/>
-              <a:t>09/08/2021</a:t>
+              <a:t>10/02/2022</a:t>
             </a:fld>
             <a:endParaRPr lang="en-GB"/>
           </a:p>
@@ -3511,7 +3514,7 @@
           <a:p>
             <a:fld id="{D6C40BEF-D6C5-451D-9273-72D7618BC3F2}" type="datetimeFigureOut">
               <a:rPr lang="en-GB" smtClean="0"/>
-              <a:t>09/08/2021</a:t>
+              <a:t>10/02/2022</a:t>
             </a:fld>
             <a:endParaRPr lang="en-GB"/>
           </a:p>
@@ -3653,7 +3656,7 @@
           <a:p>
             <a:fld id="{D6C40BEF-D6C5-451D-9273-72D7618BC3F2}" type="datetimeFigureOut">
               <a:rPr lang="en-GB" smtClean="0"/>
-              <a:t>09/08/2021</a:t>
+              <a:t>10/02/2022</a:t>
             </a:fld>
             <a:endParaRPr lang="en-GB"/>
           </a:p>
@@ -3766,7 +3769,7 @@
           <a:p>
             <a:fld id="{D6C40BEF-D6C5-451D-9273-72D7618BC3F2}" type="datetimeFigureOut">
               <a:rPr lang="en-GB" smtClean="0"/>
-              <a:t>09/08/2021</a:t>
+              <a:t>10/02/2022</a:t>
             </a:fld>
             <a:endParaRPr lang="en-GB"/>
           </a:p>
@@ -4079,7 +4082,7 @@
           <a:p>
             <a:fld id="{D6C40BEF-D6C5-451D-9273-72D7618BC3F2}" type="datetimeFigureOut">
               <a:rPr lang="en-GB" smtClean="0"/>
-              <a:t>09/08/2021</a:t>
+              <a:t>10/02/2022</a:t>
             </a:fld>
             <a:endParaRPr lang="en-GB"/>
           </a:p>
@@ -4368,7 +4371,7 @@
           <a:p>
             <a:fld id="{D6C40BEF-D6C5-451D-9273-72D7618BC3F2}" type="datetimeFigureOut">
               <a:rPr lang="en-GB" smtClean="0"/>
-              <a:t>09/08/2021</a:t>
+              <a:t>10/02/2022</a:t>
             </a:fld>
             <a:endParaRPr lang="en-GB"/>
           </a:p>
@@ -4611,7 +4614,7 @@
           <a:p>
             <a:fld id="{D6C40BEF-D6C5-451D-9273-72D7618BC3F2}" type="datetimeFigureOut">
               <a:rPr lang="en-GB" smtClean="0"/>
-              <a:t>09/08/2021</a:t>
+              <a:t>10/02/2022</a:t>
             </a:fld>
             <a:endParaRPr lang="en-GB"/>
           </a:p>
@@ -5089,6 +5092,2216 @@
     <p:extLst>
       <p:ext uri="{BB962C8B-B14F-4D97-AF65-F5344CB8AC3E}">
         <p14:creationId xmlns:p14="http://schemas.microsoft.com/office/powerpoint/2010/main" val="3601651327"/>
+      </p:ext>
+    </p:extLst>
+  </p:cSld>
+  <p:clrMapOvr>
+    <a:masterClrMapping/>
+  </p:clrMapOvr>
+</p:sld>
+</file>
+
+<file path=ppt/slides/slide10.xml><?xml version="1.0" encoding="utf-8"?>
+<p:sld xmlns:a="http://schemas.openxmlformats.org/drawingml/2006/main" xmlns:r="http://schemas.openxmlformats.org/officeDocument/2006/relationships" xmlns:p="http://schemas.openxmlformats.org/presentationml/2006/main">
+  <p:cSld>
+    <p:spTree>
+      <p:nvGrpSpPr>
+        <p:cNvPr id="1" name=""/>
+        <p:cNvGrpSpPr/>
+        <p:nvPr/>
+      </p:nvGrpSpPr>
+      <p:grpSpPr>
+        <a:xfrm>
+          <a:off x="0" y="0"/>
+          <a:ext cx="0" cy="0"/>
+          <a:chOff x="0" y="0"/>
+          <a:chExt cx="0" cy="0"/>
+        </a:xfrm>
+      </p:grpSpPr>
+      <p:cxnSp>
+        <p:nvCxnSpPr>
+          <p:cNvPr id="5" name="Straight Connector 4">
+            <a:extLst>
+              <a:ext uri="{FF2B5EF4-FFF2-40B4-BE49-F238E27FC236}">
+                <a16:creationId xmlns:a16="http://schemas.microsoft.com/office/drawing/2014/main" id="{30E06BE9-6F8C-40CE-BBA6-7F3DAECA29CE}"/>
+              </a:ext>
+            </a:extLst>
+          </p:cNvPr>
+          <p:cNvCxnSpPr>
+            <a:cxnSpLocks/>
+          </p:cNvCxnSpPr>
+          <p:nvPr/>
+        </p:nvCxnSpPr>
+        <p:spPr>
+          <a:xfrm flipV="1">
+            <a:off x="3881210" y="2687828"/>
+            <a:ext cx="4447450" cy="1404920"/>
+          </a:xfrm>
+          <a:prstGeom prst="line">
+            <a:avLst/>
+          </a:prstGeom>
+          <a:ln w="12700">
+            <a:headEnd type="oval" w="med" len="med"/>
+            <a:tailEnd type="oval" w="med" len="med"/>
+          </a:ln>
+        </p:spPr>
+        <p:style>
+          <a:lnRef idx="1">
+            <a:schemeClr val="accent1"/>
+          </a:lnRef>
+          <a:fillRef idx="0">
+            <a:schemeClr val="accent1"/>
+          </a:fillRef>
+          <a:effectRef idx="0">
+            <a:schemeClr val="accent1"/>
+          </a:effectRef>
+          <a:fontRef idx="minor">
+            <a:schemeClr val="tx1"/>
+          </a:fontRef>
+        </p:style>
+      </p:cxnSp>
+      <p:sp>
+        <p:nvSpPr>
+          <p:cNvPr id="8" name="Isosceles Triangle 7">
+            <a:extLst>
+              <a:ext uri="{FF2B5EF4-FFF2-40B4-BE49-F238E27FC236}">
+                <a16:creationId xmlns:a16="http://schemas.microsoft.com/office/drawing/2014/main" id="{FC832D32-308B-4DF5-A16D-6CAB36411713}"/>
+              </a:ext>
+            </a:extLst>
+          </p:cNvPr>
+          <p:cNvSpPr/>
+          <p:nvPr/>
+        </p:nvSpPr>
+        <p:spPr>
+          <a:xfrm rot="6848213">
+            <a:off x="3463716" y="1686124"/>
+            <a:ext cx="167640" cy="289560"/>
+          </a:xfrm>
+          <a:prstGeom prst="triangle">
+            <a:avLst>
+              <a:gd name="adj" fmla="val 51387"/>
+            </a:avLst>
+          </a:prstGeom>
+          <a:solidFill>
+            <a:srgbClr val="FF0000"/>
+          </a:solidFill>
+          <a:ln>
+            <a:noFill/>
+          </a:ln>
+        </p:spPr>
+        <p:style>
+          <a:lnRef idx="2">
+            <a:schemeClr val="accent1">
+              <a:shade val="50000"/>
+            </a:schemeClr>
+          </a:lnRef>
+          <a:fillRef idx="1">
+            <a:schemeClr val="accent1"/>
+          </a:fillRef>
+          <a:effectRef idx="0">
+            <a:schemeClr val="accent1"/>
+          </a:effectRef>
+          <a:fontRef idx="minor">
+            <a:schemeClr val="lt1"/>
+          </a:fontRef>
+        </p:style>
+        <p:txBody>
+          <a:bodyPr rtlCol="0" anchor="ctr"/>
+          <a:lstStyle/>
+          <a:p>
+            <a:pPr algn="ctr"/>
+            <a:endParaRPr lang="en-GB">
+              <a:solidFill>
+                <a:srgbClr val="FF0000"/>
+              </a:solidFill>
+            </a:endParaRPr>
+          </a:p>
+        </p:txBody>
+      </p:sp>
+      <p:cxnSp>
+        <p:nvCxnSpPr>
+          <p:cNvPr id="17" name="Straight Arrow Connector 16">
+            <a:extLst>
+              <a:ext uri="{FF2B5EF4-FFF2-40B4-BE49-F238E27FC236}">
+                <a16:creationId xmlns:a16="http://schemas.microsoft.com/office/drawing/2014/main" id="{EDDB9A20-8C11-49E7-9B4C-3B3C0A4E5D1A}"/>
+              </a:ext>
+            </a:extLst>
+          </p:cNvPr>
+          <p:cNvCxnSpPr>
+            <a:cxnSpLocks/>
+            <a:stCxn id="8" idx="0"/>
+          </p:cNvCxnSpPr>
+          <p:nvPr/>
+        </p:nvCxnSpPr>
+        <p:spPr>
+          <a:xfrm>
+            <a:off x="3678707" y="1892229"/>
+            <a:ext cx="755181" cy="339461"/>
+          </a:xfrm>
+          <a:prstGeom prst="straightConnector1">
+            <a:avLst/>
+          </a:prstGeom>
+          <a:ln>
+            <a:solidFill>
+              <a:srgbClr val="FF0000"/>
+            </a:solidFill>
+            <a:tailEnd type="triangle"/>
+          </a:ln>
+        </p:spPr>
+        <p:style>
+          <a:lnRef idx="1">
+            <a:schemeClr val="accent1"/>
+          </a:lnRef>
+          <a:fillRef idx="0">
+            <a:schemeClr val="accent1"/>
+          </a:fillRef>
+          <a:effectRef idx="0">
+            <a:schemeClr val="accent1"/>
+          </a:effectRef>
+          <a:fontRef idx="minor">
+            <a:schemeClr val="tx1"/>
+          </a:fontRef>
+        </p:style>
+      </p:cxnSp>
+      <p:cxnSp>
+        <p:nvCxnSpPr>
+          <p:cNvPr id="19" name="Straight Arrow Connector 18">
+            <a:extLst>
+              <a:ext uri="{FF2B5EF4-FFF2-40B4-BE49-F238E27FC236}">
+                <a16:creationId xmlns:a16="http://schemas.microsoft.com/office/drawing/2014/main" id="{99AC8E85-B0D2-4A21-A6E7-CA596A9AD8AC}"/>
+              </a:ext>
+            </a:extLst>
+          </p:cNvPr>
+          <p:cNvCxnSpPr>
+            <a:cxnSpLocks/>
+            <a:stCxn id="8" idx="0"/>
+          </p:cNvCxnSpPr>
+          <p:nvPr/>
+        </p:nvCxnSpPr>
+        <p:spPr>
+          <a:xfrm>
+            <a:off x="3678707" y="1892229"/>
+            <a:ext cx="308313" cy="596744"/>
+          </a:xfrm>
+          <a:prstGeom prst="straightConnector1">
+            <a:avLst/>
+          </a:prstGeom>
+          <a:ln>
+            <a:solidFill>
+              <a:srgbClr val="00B0F0"/>
+            </a:solidFill>
+            <a:tailEnd type="triangle"/>
+          </a:ln>
+        </p:spPr>
+        <p:style>
+          <a:lnRef idx="1">
+            <a:schemeClr val="accent1"/>
+          </a:lnRef>
+          <a:fillRef idx="0">
+            <a:schemeClr val="accent1"/>
+          </a:fillRef>
+          <a:effectRef idx="0">
+            <a:schemeClr val="accent1"/>
+          </a:effectRef>
+          <a:fontRef idx="minor">
+            <a:schemeClr val="tx1"/>
+          </a:fontRef>
+        </p:style>
+      </p:cxnSp>
+      <p:cxnSp>
+        <p:nvCxnSpPr>
+          <p:cNvPr id="23" name="Straight Arrow Connector 22">
+            <a:extLst>
+              <a:ext uri="{FF2B5EF4-FFF2-40B4-BE49-F238E27FC236}">
+                <a16:creationId xmlns:a16="http://schemas.microsoft.com/office/drawing/2014/main" id="{AF1A99C6-1097-47C9-AC46-EDA3F250FFE0}"/>
+              </a:ext>
+            </a:extLst>
+          </p:cNvPr>
+          <p:cNvCxnSpPr>
+            <a:cxnSpLocks/>
+          </p:cNvCxnSpPr>
+          <p:nvPr/>
+        </p:nvCxnSpPr>
+        <p:spPr>
+          <a:xfrm flipH="1">
+            <a:off x="3273566" y="1866555"/>
+            <a:ext cx="241002" cy="276336"/>
+          </a:xfrm>
+          <a:prstGeom prst="straightConnector1">
+            <a:avLst/>
+          </a:prstGeom>
+          <a:ln>
+            <a:solidFill>
+              <a:schemeClr val="bg1">
+                <a:lumMod val="50000"/>
+              </a:schemeClr>
+            </a:solidFill>
+            <a:headEnd type="triangle"/>
+            <a:tailEnd type="triangle"/>
+          </a:ln>
+        </p:spPr>
+        <p:style>
+          <a:lnRef idx="1">
+            <a:schemeClr val="accent1"/>
+          </a:lnRef>
+          <a:fillRef idx="0">
+            <a:schemeClr val="accent1"/>
+          </a:fillRef>
+          <a:effectRef idx="0">
+            <a:schemeClr val="accent1"/>
+          </a:effectRef>
+          <a:fontRef idx="minor">
+            <a:schemeClr val="tx1"/>
+          </a:fontRef>
+        </p:style>
+      </p:cxnSp>
+      <p:sp>
+        <p:nvSpPr>
+          <p:cNvPr id="26" name="TextBox 25">
+            <a:extLst>
+              <a:ext uri="{FF2B5EF4-FFF2-40B4-BE49-F238E27FC236}">
+                <a16:creationId xmlns:a16="http://schemas.microsoft.com/office/drawing/2014/main" id="{59DF6735-A76C-4687-9AE3-58D6B3DDBE2D}"/>
+              </a:ext>
+            </a:extLst>
+          </p:cNvPr>
+          <p:cNvSpPr txBox="1"/>
+          <p:nvPr/>
+        </p:nvSpPr>
+        <p:spPr>
+          <a:xfrm>
+            <a:off x="2950010" y="1812125"/>
+            <a:ext cx="444352" cy="230832"/>
+          </a:xfrm>
+          <a:prstGeom prst="rect">
+            <a:avLst/>
+          </a:prstGeom>
+          <a:noFill/>
+        </p:spPr>
+        <p:txBody>
+          <a:bodyPr wrap="none" rtlCol="0">
+            <a:spAutoFit/>
+          </a:bodyPr>
+          <a:lstStyle/>
+          <a:p>
+            <a:r>
+              <a:rPr lang="en-GB" sz="900" dirty="0"/>
+              <a:t>D_cts</a:t>
+            </a:r>
+          </a:p>
+        </p:txBody>
+      </p:sp>
+      <p:sp>
+        <p:nvSpPr>
+          <p:cNvPr id="33" name="Arc 32">
+            <a:extLst>
+              <a:ext uri="{FF2B5EF4-FFF2-40B4-BE49-F238E27FC236}">
+                <a16:creationId xmlns:a16="http://schemas.microsoft.com/office/drawing/2014/main" id="{E49AAE20-B9AB-47A8-94E7-EB20F972480B}"/>
+              </a:ext>
+            </a:extLst>
+          </p:cNvPr>
+          <p:cNvSpPr/>
+          <p:nvPr/>
+        </p:nvSpPr>
+        <p:spPr>
+          <a:xfrm rot="4277206">
+            <a:off x="3501217" y="1677021"/>
+            <a:ext cx="360430" cy="331342"/>
+          </a:xfrm>
+          <a:prstGeom prst="arc">
+            <a:avLst>
+              <a:gd name="adj1" fmla="val 19865683"/>
+              <a:gd name="adj2" fmla="val 0"/>
+            </a:avLst>
+          </a:prstGeom>
+          <a:ln>
+            <a:solidFill>
+              <a:schemeClr val="bg1">
+                <a:lumMod val="50000"/>
+              </a:schemeClr>
+            </a:solidFill>
+          </a:ln>
+        </p:spPr>
+        <p:style>
+          <a:lnRef idx="1">
+            <a:schemeClr val="accent1"/>
+          </a:lnRef>
+          <a:fillRef idx="0">
+            <a:schemeClr val="accent1"/>
+          </a:fillRef>
+          <a:effectRef idx="0">
+            <a:schemeClr val="accent1"/>
+          </a:effectRef>
+          <a:fontRef idx="minor">
+            <a:schemeClr val="tx1"/>
+          </a:fontRef>
+        </p:style>
+        <p:txBody>
+          <a:bodyPr rtlCol="0" anchor="ctr"/>
+          <a:lstStyle/>
+          <a:p>
+            <a:pPr algn="ctr"/>
+            <a:endParaRPr lang="en-GB"/>
+          </a:p>
+        </p:txBody>
+      </p:sp>
+      <p:sp>
+        <p:nvSpPr>
+          <p:cNvPr id="34" name="TextBox 33">
+            <a:extLst>
+              <a:ext uri="{FF2B5EF4-FFF2-40B4-BE49-F238E27FC236}">
+                <a16:creationId xmlns:a16="http://schemas.microsoft.com/office/drawing/2014/main" id="{48936BAD-253C-47B2-9A34-9B2150C2B323}"/>
+              </a:ext>
+            </a:extLst>
+          </p:cNvPr>
+          <p:cNvSpPr txBox="1"/>
+          <p:nvPr/>
+        </p:nvSpPr>
+        <p:spPr>
+          <a:xfrm rot="21130115">
+            <a:off x="3772018" y="1984474"/>
+            <a:ext cx="174376" cy="230832"/>
+          </a:xfrm>
+          <a:prstGeom prst="rect">
+            <a:avLst/>
+          </a:prstGeom>
+          <a:noFill/>
+        </p:spPr>
+        <p:txBody>
+          <a:bodyPr wrap="square" rtlCol="0">
+            <a:spAutoFit/>
+          </a:bodyPr>
+          <a:lstStyle/>
+          <a:p>
+            <a:r>
+              <a:rPr lang="el-GR" sz="900" dirty="0"/>
+              <a:t>α</a:t>
+            </a:r>
+            <a:endParaRPr lang="en-GB" sz="900" dirty="0"/>
+          </a:p>
+        </p:txBody>
+      </p:sp>
+      <p:sp>
+        <p:nvSpPr>
+          <p:cNvPr id="41" name="TextBox 40">
+            <a:extLst>
+              <a:ext uri="{FF2B5EF4-FFF2-40B4-BE49-F238E27FC236}">
+                <a16:creationId xmlns:a16="http://schemas.microsoft.com/office/drawing/2014/main" id="{EF26827B-2805-41FB-A53A-1A383EA54078}"/>
+              </a:ext>
+            </a:extLst>
+          </p:cNvPr>
+          <p:cNvSpPr txBox="1"/>
+          <p:nvPr/>
+        </p:nvSpPr>
+        <p:spPr>
+          <a:xfrm>
+            <a:off x="3447437" y="4110044"/>
+            <a:ext cx="888385" cy="369332"/>
+          </a:xfrm>
+          <a:prstGeom prst="rect">
+            <a:avLst/>
+          </a:prstGeom>
+          <a:noFill/>
+        </p:spPr>
+        <p:txBody>
+          <a:bodyPr wrap="none" rtlCol="0">
+            <a:spAutoFit/>
+          </a:bodyPr>
+          <a:lstStyle/>
+          <a:p>
+            <a:r>
+              <a:rPr lang="en-GB" sz="900" dirty="0"/>
+              <a:t>[Primary]</a:t>
+            </a:r>
+          </a:p>
+          <a:p>
+            <a:r>
+              <a:rPr lang="en-GB" sz="900" dirty="0"/>
+              <a:t>Base Waypoint</a:t>
+            </a:r>
+          </a:p>
+        </p:txBody>
+      </p:sp>
+      <p:sp>
+        <p:nvSpPr>
+          <p:cNvPr id="42" name="TextBox 41">
+            <a:extLst>
+              <a:ext uri="{FF2B5EF4-FFF2-40B4-BE49-F238E27FC236}">
+                <a16:creationId xmlns:a16="http://schemas.microsoft.com/office/drawing/2014/main" id="{A01E326D-C340-4D51-B63D-91270764F1F3}"/>
+              </a:ext>
+            </a:extLst>
+          </p:cNvPr>
+          <p:cNvSpPr txBox="1"/>
+          <p:nvPr/>
+        </p:nvSpPr>
+        <p:spPr>
+          <a:xfrm>
+            <a:off x="8004807" y="2266406"/>
+            <a:ext cx="970137" cy="369332"/>
+          </a:xfrm>
+          <a:prstGeom prst="rect">
+            <a:avLst/>
+          </a:prstGeom>
+          <a:noFill/>
+        </p:spPr>
+        <p:txBody>
+          <a:bodyPr wrap="none" rtlCol="0">
+            <a:spAutoFit/>
+          </a:bodyPr>
+          <a:lstStyle/>
+          <a:p>
+            <a:r>
+              <a:rPr lang="en-GB" sz="900" dirty="0"/>
+              <a:t>[Primary]</a:t>
+            </a:r>
+          </a:p>
+          <a:p>
+            <a:r>
+              <a:rPr lang="en-GB" sz="900" dirty="0"/>
+              <a:t>Target Waypoint</a:t>
+            </a:r>
+          </a:p>
+        </p:txBody>
+      </p:sp>
+      <p:sp>
+        <p:nvSpPr>
+          <p:cNvPr id="45" name="TextBox 44">
+            <a:extLst>
+              <a:ext uri="{FF2B5EF4-FFF2-40B4-BE49-F238E27FC236}">
+                <a16:creationId xmlns:a16="http://schemas.microsoft.com/office/drawing/2014/main" id="{8CF6D607-2013-424D-AA3A-1B864022CA94}"/>
+              </a:ext>
+            </a:extLst>
+          </p:cNvPr>
+          <p:cNvSpPr txBox="1"/>
+          <p:nvPr/>
+        </p:nvSpPr>
+        <p:spPr>
+          <a:xfrm>
+            <a:off x="4263445" y="1938621"/>
+            <a:ext cx="803425" cy="230832"/>
+          </a:xfrm>
+          <a:prstGeom prst="rect">
+            <a:avLst/>
+          </a:prstGeom>
+          <a:noFill/>
+        </p:spPr>
+        <p:txBody>
+          <a:bodyPr wrap="none" rtlCol="0">
+            <a:spAutoFit/>
+          </a:bodyPr>
+          <a:lstStyle/>
+          <a:p>
+            <a:r>
+              <a:rPr lang="en-GB" sz="900" dirty="0"/>
+              <a:t>Boat heading</a:t>
+            </a:r>
+          </a:p>
+        </p:txBody>
+      </p:sp>
+      <p:sp>
+        <p:nvSpPr>
+          <p:cNvPr id="49" name="TextBox 48">
+            <a:extLst>
+              <a:ext uri="{FF2B5EF4-FFF2-40B4-BE49-F238E27FC236}">
+                <a16:creationId xmlns:a16="http://schemas.microsoft.com/office/drawing/2014/main" id="{46EFB0F0-B61F-4B52-8ADC-7BCFD156C98A}"/>
+              </a:ext>
+            </a:extLst>
+          </p:cNvPr>
+          <p:cNvSpPr txBox="1"/>
+          <p:nvPr/>
+        </p:nvSpPr>
+        <p:spPr>
+          <a:xfrm>
+            <a:off x="3914271" y="2408871"/>
+            <a:ext cx="888385" cy="230832"/>
+          </a:xfrm>
+          <a:prstGeom prst="rect">
+            <a:avLst/>
+          </a:prstGeom>
+          <a:noFill/>
+        </p:spPr>
+        <p:txBody>
+          <a:bodyPr wrap="none" rtlCol="0">
+            <a:spAutoFit/>
+          </a:bodyPr>
+          <a:lstStyle/>
+          <a:p>
+            <a:r>
+              <a:rPr lang="en-GB" sz="900" dirty="0"/>
+              <a:t>Target heading</a:t>
+            </a:r>
+          </a:p>
+        </p:txBody>
+      </p:sp>
+      <p:cxnSp>
+        <p:nvCxnSpPr>
+          <p:cNvPr id="21" name="Straight Connector 20">
+            <a:extLst>
+              <a:ext uri="{FF2B5EF4-FFF2-40B4-BE49-F238E27FC236}">
+                <a16:creationId xmlns:a16="http://schemas.microsoft.com/office/drawing/2014/main" id="{02C5D329-D110-4B3E-828C-037220330754}"/>
+              </a:ext>
+            </a:extLst>
+          </p:cNvPr>
+          <p:cNvCxnSpPr>
+            <a:cxnSpLocks/>
+          </p:cNvCxnSpPr>
+          <p:nvPr/>
+        </p:nvCxnSpPr>
+        <p:spPr>
+          <a:xfrm>
+            <a:off x="3213862" y="2083829"/>
+            <a:ext cx="1739138" cy="1665552"/>
+          </a:xfrm>
+          <a:prstGeom prst="line">
+            <a:avLst/>
+          </a:prstGeom>
+          <a:ln w="12700">
+            <a:prstDash val="dash"/>
+            <a:headEnd type="oval" w="med" len="med"/>
+            <a:tailEnd type="oval" w="med" len="med"/>
+          </a:ln>
+        </p:spPr>
+        <p:style>
+          <a:lnRef idx="1">
+            <a:schemeClr val="accent1"/>
+          </a:lnRef>
+          <a:fillRef idx="0">
+            <a:schemeClr val="accent1"/>
+          </a:fillRef>
+          <a:effectRef idx="0">
+            <a:schemeClr val="accent1"/>
+          </a:effectRef>
+          <a:fontRef idx="minor">
+            <a:schemeClr val="tx1"/>
+          </a:fontRef>
+        </p:style>
+      </p:cxnSp>
+      <p:cxnSp>
+        <p:nvCxnSpPr>
+          <p:cNvPr id="20" name="Straight Connector 19">
+            <a:extLst>
+              <a:ext uri="{FF2B5EF4-FFF2-40B4-BE49-F238E27FC236}">
+                <a16:creationId xmlns:a16="http://schemas.microsoft.com/office/drawing/2014/main" id="{F76BE9C8-68BC-4EB8-B55A-A1BCC15C8437}"/>
+              </a:ext>
+            </a:extLst>
+          </p:cNvPr>
+          <p:cNvCxnSpPr>
+            <a:cxnSpLocks/>
+          </p:cNvCxnSpPr>
+          <p:nvPr/>
+        </p:nvCxnSpPr>
+        <p:spPr>
+          <a:xfrm flipV="1">
+            <a:off x="3639238" y="2205475"/>
+            <a:ext cx="4425262" cy="1412370"/>
+          </a:xfrm>
+          <a:prstGeom prst="line">
+            <a:avLst/>
+          </a:prstGeom>
+          <a:ln>
+            <a:solidFill>
+              <a:srgbClr val="00B050"/>
+            </a:solidFill>
+            <a:prstDash val="lgDash"/>
+          </a:ln>
+        </p:spPr>
+        <p:style>
+          <a:lnRef idx="1">
+            <a:schemeClr val="accent1"/>
+          </a:lnRef>
+          <a:fillRef idx="0">
+            <a:schemeClr val="accent1"/>
+          </a:fillRef>
+          <a:effectRef idx="0">
+            <a:schemeClr val="accent1"/>
+          </a:effectRef>
+          <a:fontRef idx="minor">
+            <a:schemeClr val="tx1"/>
+          </a:fontRef>
+        </p:style>
+      </p:cxnSp>
+      <p:cxnSp>
+        <p:nvCxnSpPr>
+          <p:cNvPr id="35" name="Straight Connector 34">
+            <a:extLst>
+              <a:ext uri="{FF2B5EF4-FFF2-40B4-BE49-F238E27FC236}">
+                <a16:creationId xmlns:a16="http://schemas.microsoft.com/office/drawing/2014/main" id="{0406BFBC-E5C9-471D-9796-EC28C0F5EC5D}"/>
+              </a:ext>
+            </a:extLst>
+          </p:cNvPr>
+          <p:cNvCxnSpPr>
+            <a:cxnSpLocks/>
+          </p:cNvCxnSpPr>
+          <p:nvPr/>
+        </p:nvCxnSpPr>
+        <p:spPr>
+          <a:xfrm flipV="1">
+            <a:off x="4056297" y="3188404"/>
+            <a:ext cx="4425262" cy="1412370"/>
+          </a:xfrm>
+          <a:prstGeom prst="line">
+            <a:avLst/>
+          </a:prstGeom>
+          <a:ln>
+            <a:solidFill>
+              <a:srgbClr val="00B050"/>
+            </a:solidFill>
+            <a:prstDash val="lgDash"/>
+          </a:ln>
+        </p:spPr>
+        <p:style>
+          <a:lnRef idx="1">
+            <a:schemeClr val="accent1"/>
+          </a:lnRef>
+          <a:fillRef idx="0">
+            <a:schemeClr val="accent1"/>
+          </a:fillRef>
+          <a:effectRef idx="0">
+            <a:schemeClr val="accent1"/>
+          </a:effectRef>
+          <a:fontRef idx="minor">
+            <a:schemeClr val="tx1"/>
+          </a:fontRef>
+        </p:style>
+      </p:cxnSp>
+      <p:cxnSp>
+        <p:nvCxnSpPr>
+          <p:cNvPr id="36" name="Straight Arrow Connector 35">
+            <a:extLst>
+              <a:ext uri="{FF2B5EF4-FFF2-40B4-BE49-F238E27FC236}">
+                <a16:creationId xmlns:a16="http://schemas.microsoft.com/office/drawing/2014/main" id="{D53673DE-DDBF-49D4-8124-0D912415C199}"/>
+              </a:ext>
+            </a:extLst>
+          </p:cNvPr>
+          <p:cNvCxnSpPr>
+            <a:cxnSpLocks/>
+          </p:cNvCxnSpPr>
+          <p:nvPr/>
+        </p:nvCxnSpPr>
+        <p:spPr>
+          <a:xfrm>
+            <a:off x="6340819" y="2746561"/>
+            <a:ext cx="323850" cy="1002820"/>
+          </a:xfrm>
+          <a:prstGeom prst="straightConnector1">
+            <a:avLst/>
+          </a:prstGeom>
+          <a:ln>
+            <a:solidFill>
+              <a:schemeClr val="bg1">
+                <a:lumMod val="50000"/>
+              </a:schemeClr>
+            </a:solidFill>
+            <a:headEnd type="triangle"/>
+            <a:tailEnd type="triangle"/>
+          </a:ln>
+        </p:spPr>
+        <p:style>
+          <a:lnRef idx="1">
+            <a:schemeClr val="accent1"/>
+          </a:lnRef>
+          <a:fillRef idx="0">
+            <a:schemeClr val="accent1"/>
+          </a:fillRef>
+          <a:effectRef idx="0">
+            <a:schemeClr val="accent1"/>
+          </a:effectRef>
+          <a:fontRef idx="minor">
+            <a:schemeClr val="tx1"/>
+          </a:fontRef>
+        </p:style>
+      </p:cxnSp>
+      <p:sp>
+        <p:nvSpPr>
+          <p:cNvPr id="39" name="TextBox 38">
+            <a:extLst>
+              <a:ext uri="{FF2B5EF4-FFF2-40B4-BE49-F238E27FC236}">
+                <a16:creationId xmlns:a16="http://schemas.microsoft.com/office/drawing/2014/main" id="{ABE5FA16-AD02-4CEB-8632-B036BC8170D2}"/>
+              </a:ext>
+            </a:extLst>
+          </p:cNvPr>
+          <p:cNvSpPr txBox="1"/>
+          <p:nvPr/>
+        </p:nvSpPr>
+        <p:spPr>
+          <a:xfrm rot="21293122">
+            <a:off x="6549765" y="3280107"/>
+            <a:ext cx="731290" cy="230832"/>
+          </a:xfrm>
+          <a:prstGeom prst="rect">
+            <a:avLst/>
+          </a:prstGeom>
+          <a:noFill/>
+        </p:spPr>
+        <p:txBody>
+          <a:bodyPr wrap="none" rtlCol="0">
+            <a:spAutoFit/>
+          </a:bodyPr>
+          <a:lstStyle/>
+          <a:p>
+            <a:r>
+              <a:rPr lang="en-GB" sz="900" dirty="0"/>
+              <a:t>Track width</a:t>
+            </a:r>
+          </a:p>
+        </p:txBody>
+      </p:sp>
+      <p:sp>
+        <p:nvSpPr>
+          <p:cNvPr id="40" name="TextBox 39">
+            <a:extLst>
+              <a:ext uri="{FF2B5EF4-FFF2-40B4-BE49-F238E27FC236}">
+                <a16:creationId xmlns:a16="http://schemas.microsoft.com/office/drawing/2014/main" id="{4C352DD8-6352-4CD6-A62B-652F9F348BC3}"/>
+              </a:ext>
+            </a:extLst>
+          </p:cNvPr>
+          <p:cNvSpPr txBox="1"/>
+          <p:nvPr/>
+        </p:nvSpPr>
+        <p:spPr>
+          <a:xfrm rot="21420144">
+            <a:off x="4460813" y="3417649"/>
+            <a:ext cx="174376" cy="369332"/>
+          </a:xfrm>
+          <a:prstGeom prst="rect">
+            <a:avLst/>
+          </a:prstGeom>
+          <a:noFill/>
+        </p:spPr>
+        <p:txBody>
+          <a:bodyPr wrap="square" rtlCol="0">
+            <a:spAutoFit/>
+          </a:bodyPr>
+          <a:lstStyle/>
+          <a:p>
+            <a:r>
+              <a:rPr lang="el-GR" sz="900" dirty="0"/>
+              <a:t> β</a:t>
+            </a:r>
+            <a:endParaRPr lang="en-GB" sz="900" dirty="0"/>
+          </a:p>
+        </p:txBody>
+      </p:sp>
+      <p:sp>
+        <p:nvSpPr>
+          <p:cNvPr id="43" name="Arc 42">
+            <a:extLst>
+              <a:ext uri="{FF2B5EF4-FFF2-40B4-BE49-F238E27FC236}">
+                <a16:creationId xmlns:a16="http://schemas.microsoft.com/office/drawing/2014/main" id="{3D90036F-BE21-496F-811E-5C2EF66BACE8}"/>
+              </a:ext>
+            </a:extLst>
+          </p:cNvPr>
+          <p:cNvSpPr/>
+          <p:nvPr/>
+        </p:nvSpPr>
+        <p:spPr>
+          <a:xfrm rot="12680207">
+            <a:off x="4760773" y="3543385"/>
+            <a:ext cx="360430" cy="331342"/>
+          </a:xfrm>
+          <a:prstGeom prst="arc">
+            <a:avLst>
+              <a:gd name="adj1" fmla="val 18243216"/>
+              <a:gd name="adj2" fmla="val 0"/>
+            </a:avLst>
+          </a:prstGeom>
+          <a:ln>
+            <a:solidFill>
+              <a:schemeClr val="bg1">
+                <a:lumMod val="50000"/>
+              </a:schemeClr>
+            </a:solidFill>
+          </a:ln>
+        </p:spPr>
+        <p:style>
+          <a:lnRef idx="1">
+            <a:schemeClr val="accent1"/>
+          </a:lnRef>
+          <a:fillRef idx="0">
+            <a:schemeClr val="accent1"/>
+          </a:fillRef>
+          <a:effectRef idx="0">
+            <a:schemeClr val="accent1"/>
+          </a:effectRef>
+          <a:fontRef idx="minor">
+            <a:schemeClr val="tx1"/>
+          </a:fontRef>
+        </p:style>
+        <p:txBody>
+          <a:bodyPr rtlCol="0" anchor="ctr"/>
+          <a:lstStyle/>
+          <a:p>
+            <a:pPr algn="ctr"/>
+            <a:endParaRPr lang="en-GB"/>
+          </a:p>
+        </p:txBody>
+      </p:sp>
+      <p:sp>
+        <p:nvSpPr>
+          <p:cNvPr id="46" name="TextBox 45">
+            <a:extLst>
+              <a:ext uri="{FF2B5EF4-FFF2-40B4-BE49-F238E27FC236}">
+                <a16:creationId xmlns:a16="http://schemas.microsoft.com/office/drawing/2014/main" id="{4C911CCE-4C39-4C21-A75C-8D36D4358597}"/>
+              </a:ext>
+            </a:extLst>
+          </p:cNvPr>
+          <p:cNvSpPr txBox="1"/>
+          <p:nvPr/>
+        </p:nvSpPr>
+        <p:spPr>
+          <a:xfrm>
+            <a:off x="2985787" y="3469201"/>
+            <a:ext cx="1607327" cy="369332"/>
+          </a:xfrm>
+          <a:prstGeom prst="rect">
+            <a:avLst/>
+          </a:prstGeom>
+          <a:noFill/>
+        </p:spPr>
+        <p:txBody>
+          <a:bodyPr wrap="square" rtlCol="0">
+            <a:spAutoFit/>
+          </a:bodyPr>
+          <a:lstStyle/>
+          <a:p>
+            <a:r>
+              <a:rPr lang="el-GR" sz="900" dirty="0"/>
+              <a:t>β</a:t>
+            </a:r>
+            <a:r>
+              <a:rPr lang="en-GB" sz="900" dirty="0"/>
+              <a:t> is limited by the maximum off track angle (&lt;90deg).  </a:t>
+            </a:r>
+          </a:p>
+        </p:txBody>
+      </p:sp>
+      <p:sp>
+        <p:nvSpPr>
+          <p:cNvPr id="47" name="TextBox 46">
+            <a:extLst>
+              <a:ext uri="{FF2B5EF4-FFF2-40B4-BE49-F238E27FC236}">
+                <a16:creationId xmlns:a16="http://schemas.microsoft.com/office/drawing/2014/main" id="{9F1007FD-A8AD-4BA8-B5CD-C7881EC77A7F}"/>
+              </a:ext>
+            </a:extLst>
+          </p:cNvPr>
+          <p:cNvSpPr txBox="1"/>
+          <p:nvPr/>
+        </p:nvSpPr>
+        <p:spPr>
+          <a:xfrm>
+            <a:off x="2403996" y="2097297"/>
+            <a:ext cx="888385" cy="369332"/>
+          </a:xfrm>
+          <a:prstGeom prst="rect">
+            <a:avLst/>
+          </a:prstGeom>
+          <a:noFill/>
+        </p:spPr>
+        <p:txBody>
+          <a:bodyPr wrap="none" rtlCol="0">
+            <a:spAutoFit/>
+          </a:bodyPr>
+          <a:lstStyle/>
+          <a:p>
+            <a:r>
+              <a:rPr lang="en-GB" sz="900" dirty="0"/>
+              <a:t>[Secondary]</a:t>
+            </a:r>
+          </a:p>
+          <a:p>
+            <a:r>
+              <a:rPr lang="en-GB" sz="900" dirty="0"/>
+              <a:t>Base Waypoint</a:t>
+            </a:r>
+          </a:p>
+        </p:txBody>
+      </p:sp>
+      <p:sp>
+        <p:nvSpPr>
+          <p:cNvPr id="48" name="TextBox 47">
+            <a:extLst>
+              <a:ext uri="{FF2B5EF4-FFF2-40B4-BE49-F238E27FC236}">
+                <a16:creationId xmlns:a16="http://schemas.microsoft.com/office/drawing/2014/main" id="{B758D9A7-7E74-4FE7-B113-59C9E464D073}"/>
+              </a:ext>
+            </a:extLst>
+          </p:cNvPr>
+          <p:cNvSpPr txBox="1"/>
+          <p:nvPr/>
+        </p:nvSpPr>
+        <p:spPr>
+          <a:xfrm>
+            <a:off x="4819604" y="3756315"/>
+            <a:ext cx="970137" cy="369332"/>
+          </a:xfrm>
+          <a:prstGeom prst="rect">
+            <a:avLst/>
+          </a:prstGeom>
+          <a:noFill/>
+        </p:spPr>
+        <p:txBody>
+          <a:bodyPr wrap="none" rtlCol="0">
+            <a:spAutoFit/>
+          </a:bodyPr>
+          <a:lstStyle/>
+          <a:p>
+            <a:r>
+              <a:rPr lang="en-GB" sz="900" dirty="0"/>
+              <a:t>[Secondary]</a:t>
+            </a:r>
+          </a:p>
+          <a:p>
+            <a:r>
+              <a:rPr lang="en-GB" sz="900" dirty="0"/>
+              <a:t>Target Waypoint</a:t>
+            </a:r>
+          </a:p>
+        </p:txBody>
+      </p:sp>
+      <p:sp>
+        <p:nvSpPr>
+          <p:cNvPr id="52" name="TextBox 51">
+            <a:extLst>
+              <a:ext uri="{FF2B5EF4-FFF2-40B4-BE49-F238E27FC236}">
+                <a16:creationId xmlns:a16="http://schemas.microsoft.com/office/drawing/2014/main" id="{C7A7BCE8-C865-490A-AB86-8AC7C3AE0414}"/>
+              </a:ext>
+            </a:extLst>
+          </p:cNvPr>
+          <p:cNvSpPr txBox="1"/>
+          <p:nvPr/>
+        </p:nvSpPr>
+        <p:spPr>
+          <a:xfrm>
+            <a:off x="3601267" y="1519551"/>
+            <a:ext cx="3018775" cy="230832"/>
+          </a:xfrm>
+          <a:prstGeom prst="rect">
+            <a:avLst/>
+          </a:prstGeom>
+          <a:noFill/>
+        </p:spPr>
+        <p:txBody>
+          <a:bodyPr wrap="none" rtlCol="0">
+            <a:spAutoFit/>
+          </a:bodyPr>
+          <a:lstStyle/>
+          <a:p>
+            <a:r>
+              <a:rPr lang="en-GB" sz="900" dirty="0"/>
+              <a:t>The boat follow the secondary track to get back to primary </a:t>
+            </a:r>
+          </a:p>
+        </p:txBody>
+      </p:sp>
+    </p:spTree>
+    <p:extLst>
+      <p:ext uri="{BB962C8B-B14F-4D97-AF65-F5344CB8AC3E}">
+        <p14:creationId xmlns:p14="http://schemas.microsoft.com/office/powerpoint/2010/main" val="3052031133"/>
+      </p:ext>
+    </p:extLst>
+  </p:cSld>
+  <p:clrMapOvr>
+    <a:masterClrMapping/>
+  </p:clrMapOvr>
+</p:sld>
+</file>
+
+<file path=ppt/slides/slide11.xml><?xml version="1.0" encoding="utf-8"?>
+<p:sld xmlns:a="http://schemas.openxmlformats.org/drawingml/2006/main" xmlns:r="http://schemas.openxmlformats.org/officeDocument/2006/relationships" xmlns:p="http://schemas.openxmlformats.org/presentationml/2006/main">
+  <p:cSld>
+    <p:spTree>
+      <p:nvGrpSpPr>
+        <p:cNvPr id="1" name=""/>
+        <p:cNvGrpSpPr/>
+        <p:nvPr/>
+      </p:nvGrpSpPr>
+      <p:grpSpPr>
+        <a:xfrm>
+          <a:off x="0" y="0"/>
+          <a:ext cx="0" cy="0"/>
+          <a:chOff x="0" y="0"/>
+          <a:chExt cx="0" cy="0"/>
+        </a:xfrm>
+      </p:grpSpPr>
+      <p:sp>
+        <p:nvSpPr>
+          <p:cNvPr id="18" name="Freeform: Shape 17">
+            <a:extLst>
+              <a:ext uri="{FF2B5EF4-FFF2-40B4-BE49-F238E27FC236}">
+                <a16:creationId xmlns:a16="http://schemas.microsoft.com/office/drawing/2014/main" id="{900A8B9F-56E9-441D-B27F-CD72EB348AF0}"/>
+              </a:ext>
+            </a:extLst>
+          </p:cNvPr>
+          <p:cNvSpPr/>
+          <p:nvPr/>
+        </p:nvSpPr>
+        <p:spPr>
+          <a:xfrm>
+            <a:off x="1714058" y="2590401"/>
+            <a:ext cx="6759382" cy="2451512"/>
+          </a:xfrm>
+          <a:custGeom>
+            <a:avLst/>
+            <a:gdLst>
+              <a:gd name="connsiteX0" fmla="*/ 442 w 6759382"/>
+              <a:gd name="connsiteY0" fmla="*/ 2233059 h 2451512"/>
+              <a:gd name="connsiteX1" fmla="*/ 38542 w 6759382"/>
+              <a:gd name="connsiteY1" fmla="*/ 2187339 h 2451512"/>
+              <a:gd name="connsiteX2" fmla="*/ 244282 w 6759382"/>
+              <a:gd name="connsiteY2" fmla="*/ 1509159 h 2451512"/>
+              <a:gd name="connsiteX3" fmla="*/ 1547302 w 6759382"/>
+              <a:gd name="connsiteY3" fmla="*/ 2446419 h 2451512"/>
+              <a:gd name="connsiteX4" fmla="*/ 1852102 w 6759382"/>
+              <a:gd name="connsiteY4" fmla="*/ 1006239 h 2451512"/>
+              <a:gd name="connsiteX5" fmla="*/ 3208462 w 6759382"/>
+              <a:gd name="connsiteY5" fmla="*/ 1867299 h 2451512"/>
+              <a:gd name="connsiteX6" fmla="*/ 3360862 w 6759382"/>
+              <a:gd name="connsiteY6" fmla="*/ 510939 h 2451512"/>
+              <a:gd name="connsiteX7" fmla="*/ 4778182 w 6759382"/>
+              <a:gd name="connsiteY7" fmla="*/ 1303419 h 2451512"/>
+              <a:gd name="connsiteX8" fmla="*/ 4900102 w 6759382"/>
+              <a:gd name="connsiteY8" fmla="*/ 8019 h 2451512"/>
+              <a:gd name="connsiteX9" fmla="*/ 6225982 w 6759382"/>
+              <a:gd name="connsiteY9" fmla="*/ 724299 h 2451512"/>
+              <a:gd name="connsiteX10" fmla="*/ 6439342 w 6759382"/>
+              <a:gd name="connsiteY10" fmla="*/ 46119 h 2451512"/>
+              <a:gd name="connsiteX11" fmla="*/ 6706042 w 6759382"/>
+              <a:gd name="connsiteY11" fmla="*/ 68979 h 2451512"/>
+              <a:gd name="connsiteX12" fmla="*/ 6759382 w 6759382"/>
+              <a:gd name="connsiteY12" fmla="*/ 38499 h 2451512"/>
+            </a:gdLst>
+            <a:ahLst/>
+            <a:cxnLst>
+              <a:cxn ang="0">
+                <a:pos x="connsiteX0" y="connsiteY0"/>
+              </a:cxn>
+              <a:cxn ang="0">
+                <a:pos x="connsiteX1" y="connsiteY1"/>
+              </a:cxn>
+              <a:cxn ang="0">
+                <a:pos x="connsiteX2" y="connsiteY2"/>
+              </a:cxn>
+              <a:cxn ang="0">
+                <a:pos x="connsiteX3" y="connsiteY3"/>
+              </a:cxn>
+              <a:cxn ang="0">
+                <a:pos x="connsiteX4" y="connsiteY4"/>
+              </a:cxn>
+              <a:cxn ang="0">
+                <a:pos x="connsiteX5" y="connsiteY5"/>
+              </a:cxn>
+              <a:cxn ang="0">
+                <a:pos x="connsiteX6" y="connsiteY6"/>
+              </a:cxn>
+              <a:cxn ang="0">
+                <a:pos x="connsiteX7" y="connsiteY7"/>
+              </a:cxn>
+              <a:cxn ang="0">
+                <a:pos x="connsiteX8" y="connsiteY8"/>
+              </a:cxn>
+              <a:cxn ang="0">
+                <a:pos x="connsiteX9" y="connsiteY9"/>
+              </a:cxn>
+              <a:cxn ang="0">
+                <a:pos x="connsiteX10" y="connsiteY10"/>
+              </a:cxn>
+              <a:cxn ang="0">
+                <a:pos x="connsiteX11" y="connsiteY11"/>
+              </a:cxn>
+              <a:cxn ang="0">
+                <a:pos x="connsiteX12" y="connsiteY12"/>
+              </a:cxn>
+            </a:cxnLst>
+            <a:rect l="l" t="t" r="r" b="b"/>
+            <a:pathLst>
+              <a:path w="6759382" h="2451512">
+                <a:moveTo>
+                  <a:pt x="442" y="2233059"/>
+                </a:moveTo>
+                <a:cubicBezTo>
+                  <a:pt x="-828" y="2270524"/>
+                  <a:pt x="-2098" y="2307989"/>
+                  <a:pt x="38542" y="2187339"/>
+                </a:cubicBezTo>
+                <a:cubicBezTo>
+                  <a:pt x="79182" y="2066689"/>
+                  <a:pt x="-7178" y="1465979"/>
+                  <a:pt x="244282" y="1509159"/>
+                </a:cubicBezTo>
+                <a:cubicBezTo>
+                  <a:pt x="495742" y="1552339"/>
+                  <a:pt x="1279332" y="2530239"/>
+                  <a:pt x="1547302" y="2446419"/>
+                </a:cubicBezTo>
+                <a:cubicBezTo>
+                  <a:pt x="1815272" y="2362599"/>
+                  <a:pt x="1575242" y="1102759"/>
+                  <a:pt x="1852102" y="1006239"/>
+                </a:cubicBezTo>
+                <a:cubicBezTo>
+                  <a:pt x="2128962" y="909719"/>
+                  <a:pt x="2957002" y="1949849"/>
+                  <a:pt x="3208462" y="1867299"/>
+                </a:cubicBezTo>
+                <a:cubicBezTo>
+                  <a:pt x="3459922" y="1784749"/>
+                  <a:pt x="3099242" y="604919"/>
+                  <a:pt x="3360862" y="510939"/>
+                </a:cubicBezTo>
+                <a:cubicBezTo>
+                  <a:pt x="3622482" y="416959"/>
+                  <a:pt x="4521642" y="1387239"/>
+                  <a:pt x="4778182" y="1303419"/>
+                </a:cubicBezTo>
+                <a:cubicBezTo>
+                  <a:pt x="5034722" y="1219599"/>
+                  <a:pt x="4658802" y="104539"/>
+                  <a:pt x="4900102" y="8019"/>
+                </a:cubicBezTo>
+                <a:cubicBezTo>
+                  <a:pt x="5141402" y="-88501"/>
+                  <a:pt x="5969442" y="717949"/>
+                  <a:pt x="6225982" y="724299"/>
+                </a:cubicBezTo>
+                <a:cubicBezTo>
+                  <a:pt x="6482522" y="730649"/>
+                  <a:pt x="6359332" y="155339"/>
+                  <a:pt x="6439342" y="46119"/>
+                </a:cubicBezTo>
+                <a:cubicBezTo>
+                  <a:pt x="6519352" y="-63101"/>
+                  <a:pt x="6652702" y="70249"/>
+                  <a:pt x="6706042" y="68979"/>
+                </a:cubicBezTo>
+                <a:cubicBezTo>
+                  <a:pt x="6759382" y="67709"/>
+                  <a:pt x="6759382" y="53104"/>
+                  <a:pt x="6759382" y="38499"/>
+                </a:cubicBezTo>
+              </a:path>
+            </a:pathLst>
+          </a:custGeom>
+          <a:noFill/>
+          <a:ln>
+            <a:solidFill>
+              <a:srgbClr val="BC02AF"/>
+            </a:solidFill>
+            <a:prstDash val="sysDot"/>
+          </a:ln>
+        </p:spPr>
+        <p:style>
+          <a:lnRef idx="2">
+            <a:schemeClr val="accent1">
+              <a:shade val="50000"/>
+            </a:schemeClr>
+          </a:lnRef>
+          <a:fillRef idx="1">
+            <a:schemeClr val="accent1"/>
+          </a:fillRef>
+          <a:effectRef idx="0">
+            <a:schemeClr val="accent1"/>
+          </a:effectRef>
+          <a:fontRef idx="minor">
+            <a:schemeClr val="lt1"/>
+          </a:fontRef>
+        </p:style>
+        <p:txBody>
+          <a:bodyPr rtlCol="0" anchor="ctr"/>
+          <a:lstStyle/>
+          <a:p>
+            <a:pPr algn="ctr"/>
+            <a:endParaRPr lang="en-GB" sz="2000"/>
+          </a:p>
+        </p:txBody>
+      </p:sp>
+      <p:grpSp>
+        <p:nvGrpSpPr>
+          <p:cNvPr id="12" name="Group 11">
+            <a:extLst>
+              <a:ext uri="{FF2B5EF4-FFF2-40B4-BE49-F238E27FC236}">
+                <a16:creationId xmlns:a16="http://schemas.microsoft.com/office/drawing/2014/main" id="{CC07A839-2A70-4A3E-BC7D-851B0F34C88A}"/>
+              </a:ext>
+            </a:extLst>
+          </p:cNvPr>
+          <p:cNvGrpSpPr/>
+          <p:nvPr/>
+        </p:nvGrpSpPr>
+        <p:grpSpPr>
+          <a:xfrm rot="1237884">
+            <a:off x="5121595" y="2821111"/>
+            <a:ext cx="1348119" cy="1383216"/>
+            <a:chOff x="3873051" y="1891140"/>
+            <a:chExt cx="1348119" cy="1383216"/>
+          </a:xfrm>
+        </p:grpSpPr>
+        <p:sp>
+          <p:nvSpPr>
+            <p:cNvPr id="11" name="Partial Circle 10">
+              <a:extLst>
+                <a:ext uri="{FF2B5EF4-FFF2-40B4-BE49-F238E27FC236}">
+                  <a16:creationId xmlns:a16="http://schemas.microsoft.com/office/drawing/2014/main" id="{C4696E4A-61F8-479D-86CB-76383C1FF2A4}"/>
+                </a:ext>
+              </a:extLst>
+            </p:cNvPr>
+            <p:cNvSpPr/>
+            <p:nvPr/>
+          </p:nvSpPr>
+          <p:spPr>
+            <a:xfrm>
+              <a:off x="3900515" y="1891140"/>
+              <a:ext cx="1320655" cy="1356393"/>
+            </a:xfrm>
+            <a:prstGeom prst="pie">
+              <a:avLst>
+                <a:gd name="adj1" fmla="val 17247151"/>
+                <a:gd name="adj2" fmla="val 433779"/>
+              </a:avLst>
+            </a:prstGeom>
+            <a:pattFill prst="pct50">
+              <a:fgClr>
+                <a:schemeClr val="accent2">
+                  <a:lumMod val="40000"/>
+                  <a:lumOff val="60000"/>
+                </a:schemeClr>
+              </a:fgClr>
+              <a:bgClr>
+                <a:schemeClr val="bg1"/>
+              </a:bgClr>
+            </a:pattFill>
+            <a:ln>
+              <a:noFill/>
+            </a:ln>
+          </p:spPr>
+          <p:style>
+            <a:lnRef idx="2">
+              <a:schemeClr val="accent1">
+                <a:shade val="50000"/>
+              </a:schemeClr>
+            </a:lnRef>
+            <a:fillRef idx="1">
+              <a:schemeClr val="accent1"/>
+            </a:fillRef>
+            <a:effectRef idx="0">
+              <a:schemeClr val="accent1"/>
+            </a:effectRef>
+            <a:fontRef idx="minor">
+              <a:schemeClr val="lt1"/>
+            </a:fontRef>
+          </p:style>
+          <p:txBody>
+            <a:bodyPr rtlCol="0" anchor="ctr"/>
+            <a:lstStyle/>
+            <a:p>
+              <a:pPr algn="ctr"/>
+              <a:endParaRPr lang="en-GB" sz="2000">
+                <a:solidFill>
+                  <a:schemeClr val="tx1"/>
+                </a:solidFill>
+              </a:endParaRPr>
+            </a:p>
+          </p:txBody>
+        </p:sp>
+        <p:sp>
+          <p:nvSpPr>
+            <p:cNvPr id="37" name="Partial Circle 36">
+              <a:extLst>
+                <a:ext uri="{FF2B5EF4-FFF2-40B4-BE49-F238E27FC236}">
+                  <a16:creationId xmlns:a16="http://schemas.microsoft.com/office/drawing/2014/main" id="{BF971A07-3E1C-49F4-A646-4F9D8174EC28}"/>
+                </a:ext>
+              </a:extLst>
+            </p:cNvPr>
+            <p:cNvSpPr/>
+            <p:nvPr/>
+          </p:nvSpPr>
+          <p:spPr>
+            <a:xfrm>
+              <a:off x="3873051" y="1917963"/>
+              <a:ext cx="1320655" cy="1356393"/>
+            </a:xfrm>
+            <a:prstGeom prst="pie">
+              <a:avLst>
+                <a:gd name="adj1" fmla="val 6780024"/>
+                <a:gd name="adj2" fmla="val 11350419"/>
+              </a:avLst>
+            </a:prstGeom>
+            <a:pattFill prst="pct50">
+              <a:fgClr>
+                <a:schemeClr val="accent2">
+                  <a:lumMod val="40000"/>
+                  <a:lumOff val="60000"/>
+                </a:schemeClr>
+              </a:fgClr>
+              <a:bgClr>
+                <a:schemeClr val="bg1"/>
+              </a:bgClr>
+            </a:pattFill>
+            <a:ln>
+              <a:noFill/>
+            </a:ln>
+          </p:spPr>
+          <p:style>
+            <a:lnRef idx="2">
+              <a:schemeClr val="accent1">
+                <a:shade val="50000"/>
+              </a:schemeClr>
+            </a:lnRef>
+            <a:fillRef idx="1">
+              <a:schemeClr val="accent1"/>
+            </a:fillRef>
+            <a:effectRef idx="0">
+              <a:schemeClr val="accent1"/>
+            </a:effectRef>
+            <a:fontRef idx="minor">
+              <a:schemeClr val="lt1"/>
+            </a:fontRef>
+          </p:style>
+          <p:txBody>
+            <a:bodyPr rtlCol="0" anchor="ctr"/>
+            <a:lstStyle/>
+            <a:p>
+              <a:pPr algn="ctr"/>
+              <a:endParaRPr lang="en-GB" sz="2000">
+                <a:solidFill>
+                  <a:schemeClr val="tx1"/>
+                </a:solidFill>
+              </a:endParaRPr>
+            </a:p>
+          </p:txBody>
+        </p:sp>
+      </p:grpSp>
+      <p:cxnSp>
+        <p:nvCxnSpPr>
+          <p:cNvPr id="5" name="Straight Connector 4">
+            <a:extLst>
+              <a:ext uri="{FF2B5EF4-FFF2-40B4-BE49-F238E27FC236}">
+                <a16:creationId xmlns:a16="http://schemas.microsoft.com/office/drawing/2014/main" id="{30E06BE9-6F8C-40CE-BBA6-7F3DAECA29CE}"/>
+              </a:ext>
+            </a:extLst>
+          </p:cNvPr>
+          <p:cNvCxnSpPr>
+            <a:cxnSpLocks/>
+          </p:cNvCxnSpPr>
+          <p:nvPr/>
+        </p:nvCxnSpPr>
+        <p:spPr>
+          <a:xfrm flipV="1">
+            <a:off x="1724025" y="2619562"/>
+            <a:ext cx="6829425" cy="2214376"/>
+          </a:xfrm>
+          <a:prstGeom prst="line">
+            <a:avLst/>
+          </a:prstGeom>
+          <a:ln w="12700">
+            <a:headEnd type="oval" w="lg" len="lg"/>
+            <a:tailEnd type="oval" w="lg" len="lg"/>
+          </a:ln>
+        </p:spPr>
+        <p:style>
+          <a:lnRef idx="1">
+            <a:schemeClr val="accent1"/>
+          </a:lnRef>
+          <a:fillRef idx="0">
+            <a:schemeClr val="accent1"/>
+          </a:fillRef>
+          <a:effectRef idx="0">
+            <a:schemeClr val="accent1"/>
+          </a:effectRef>
+          <a:fontRef idx="minor">
+            <a:schemeClr val="tx1"/>
+          </a:fontRef>
+        </p:style>
+      </p:cxnSp>
+      <p:grpSp>
+        <p:nvGrpSpPr>
+          <p:cNvPr id="7" name="Group 6">
+            <a:extLst>
+              <a:ext uri="{FF2B5EF4-FFF2-40B4-BE49-F238E27FC236}">
+                <a16:creationId xmlns:a16="http://schemas.microsoft.com/office/drawing/2014/main" id="{E2E28C62-FA20-4EBB-B16A-7C1950BC909D}"/>
+              </a:ext>
+            </a:extLst>
+          </p:cNvPr>
+          <p:cNvGrpSpPr/>
+          <p:nvPr/>
+        </p:nvGrpSpPr>
+        <p:grpSpPr>
+          <a:xfrm>
+            <a:off x="5647216" y="3429000"/>
+            <a:ext cx="661244" cy="323628"/>
+            <a:chOff x="3402756" y="1747084"/>
+            <a:chExt cx="661244" cy="323628"/>
+          </a:xfrm>
+        </p:grpSpPr>
+        <p:sp>
+          <p:nvSpPr>
+            <p:cNvPr id="8" name="Isosceles Triangle 7">
+              <a:extLst>
+                <a:ext uri="{FF2B5EF4-FFF2-40B4-BE49-F238E27FC236}">
+                  <a16:creationId xmlns:a16="http://schemas.microsoft.com/office/drawing/2014/main" id="{FC832D32-308B-4DF5-A16D-6CAB36411713}"/>
+                </a:ext>
+              </a:extLst>
+            </p:cNvPr>
+            <p:cNvSpPr/>
+            <p:nvPr/>
+          </p:nvSpPr>
+          <p:spPr>
+            <a:xfrm rot="6848213">
+              <a:off x="3463716" y="1686124"/>
+              <a:ext cx="167640" cy="289560"/>
+            </a:xfrm>
+            <a:prstGeom prst="triangle">
+              <a:avLst>
+                <a:gd name="adj" fmla="val 51387"/>
+              </a:avLst>
+            </a:prstGeom>
+            <a:solidFill>
+              <a:srgbClr val="FF0000"/>
+            </a:solidFill>
+            <a:ln>
+              <a:noFill/>
+            </a:ln>
+          </p:spPr>
+          <p:style>
+            <a:lnRef idx="2">
+              <a:schemeClr val="accent1">
+                <a:shade val="50000"/>
+              </a:schemeClr>
+            </a:lnRef>
+            <a:fillRef idx="1">
+              <a:schemeClr val="accent1"/>
+            </a:fillRef>
+            <a:effectRef idx="0">
+              <a:schemeClr val="accent1"/>
+            </a:effectRef>
+            <a:fontRef idx="minor">
+              <a:schemeClr val="lt1"/>
+            </a:fontRef>
+          </p:style>
+          <p:txBody>
+            <a:bodyPr rtlCol="0" anchor="ctr"/>
+            <a:lstStyle/>
+            <a:p>
+              <a:pPr algn="ctr"/>
+              <a:endParaRPr lang="en-GB" sz="2000">
+                <a:solidFill>
+                  <a:srgbClr val="FF0000"/>
+                </a:solidFill>
+              </a:endParaRPr>
+            </a:p>
+          </p:txBody>
+        </p:sp>
+        <p:cxnSp>
+          <p:nvCxnSpPr>
+            <p:cNvPr id="17" name="Straight Arrow Connector 16">
+              <a:extLst>
+                <a:ext uri="{FF2B5EF4-FFF2-40B4-BE49-F238E27FC236}">
+                  <a16:creationId xmlns:a16="http://schemas.microsoft.com/office/drawing/2014/main" id="{EDDB9A20-8C11-49E7-9B4C-3B3C0A4E5D1A}"/>
+                </a:ext>
+              </a:extLst>
+            </p:cNvPr>
+            <p:cNvCxnSpPr>
+              <a:cxnSpLocks/>
+              <a:stCxn id="8" idx="0"/>
+            </p:cNvCxnSpPr>
+            <p:nvPr/>
+          </p:nvCxnSpPr>
+          <p:spPr>
+            <a:xfrm>
+              <a:off x="3678707" y="1892229"/>
+              <a:ext cx="385293" cy="178483"/>
+            </a:xfrm>
+            <a:prstGeom prst="straightConnector1">
+              <a:avLst/>
+            </a:prstGeom>
+            <a:ln>
+              <a:solidFill>
+                <a:srgbClr val="FF0000"/>
+              </a:solidFill>
+              <a:tailEnd type="triangle"/>
+            </a:ln>
+          </p:spPr>
+          <p:style>
+            <a:lnRef idx="1">
+              <a:schemeClr val="accent1"/>
+            </a:lnRef>
+            <a:fillRef idx="0">
+              <a:schemeClr val="accent1"/>
+            </a:fillRef>
+            <a:effectRef idx="0">
+              <a:schemeClr val="accent1"/>
+            </a:effectRef>
+            <a:fontRef idx="minor">
+              <a:schemeClr val="tx1"/>
+            </a:fontRef>
+          </p:style>
+        </p:cxnSp>
+      </p:grpSp>
+      <p:sp>
+        <p:nvSpPr>
+          <p:cNvPr id="41" name="TextBox 40">
+            <a:extLst>
+              <a:ext uri="{FF2B5EF4-FFF2-40B4-BE49-F238E27FC236}">
+                <a16:creationId xmlns:a16="http://schemas.microsoft.com/office/drawing/2014/main" id="{EF26827B-2805-41FB-A53A-1A383EA54078}"/>
+              </a:ext>
+            </a:extLst>
+          </p:cNvPr>
+          <p:cNvSpPr txBox="1"/>
+          <p:nvPr/>
+        </p:nvSpPr>
+        <p:spPr>
+          <a:xfrm>
+            <a:off x="1075242" y="4992365"/>
+            <a:ext cx="965329" cy="246221"/>
+          </a:xfrm>
+          <a:prstGeom prst="rect">
+            <a:avLst/>
+          </a:prstGeom>
+          <a:noFill/>
+        </p:spPr>
+        <p:txBody>
+          <a:bodyPr wrap="none" rtlCol="0">
+            <a:spAutoFit/>
+          </a:bodyPr>
+          <a:lstStyle/>
+          <a:p>
+            <a:r>
+              <a:rPr lang="en-GB" sz="1000" dirty="0"/>
+              <a:t>Base Waypoint</a:t>
+            </a:r>
+          </a:p>
+        </p:txBody>
+      </p:sp>
+      <p:sp>
+        <p:nvSpPr>
+          <p:cNvPr id="42" name="TextBox 41">
+            <a:extLst>
+              <a:ext uri="{FF2B5EF4-FFF2-40B4-BE49-F238E27FC236}">
+                <a16:creationId xmlns:a16="http://schemas.microsoft.com/office/drawing/2014/main" id="{A01E326D-C340-4D51-B63D-91270764F1F3}"/>
+              </a:ext>
+            </a:extLst>
+          </p:cNvPr>
+          <p:cNvSpPr txBox="1"/>
+          <p:nvPr/>
+        </p:nvSpPr>
+        <p:spPr>
+          <a:xfrm>
+            <a:off x="8125344" y="2222629"/>
+            <a:ext cx="1056700" cy="246221"/>
+          </a:xfrm>
+          <a:prstGeom prst="rect">
+            <a:avLst/>
+          </a:prstGeom>
+          <a:noFill/>
+        </p:spPr>
+        <p:txBody>
+          <a:bodyPr wrap="none" rtlCol="0">
+            <a:spAutoFit/>
+          </a:bodyPr>
+          <a:lstStyle/>
+          <a:p>
+            <a:r>
+              <a:rPr lang="en-GB" sz="1000" dirty="0"/>
+              <a:t>Target Waypoint</a:t>
+            </a:r>
+          </a:p>
+        </p:txBody>
+      </p:sp>
+      <p:sp>
+        <p:nvSpPr>
+          <p:cNvPr id="45" name="TextBox 44">
+            <a:extLst>
+              <a:ext uri="{FF2B5EF4-FFF2-40B4-BE49-F238E27FC236}">
+                <a16:creationId xmlns:a16="http://schemas.microsoft.com/office/drawing/2014/main" id="{8CF6D607-2013-424D-AA3A-1B864022CA94}"/>
+              </a:ext>
+            </a:extLst>
+          </p:cNvPr>
+          <p:cNvSpPr txBox="1"/>
+          <p:nvPr/>
+        </p:nvSpPr>
+        <p:spPr>
+          <a:xfrm rot="20780970">
+            <a:off x="7412761" y="3895301"/>
+            <a:ext cx="976099" cy="246221"/>
+          </a:xfrm>
+          <a:prstGeom prst="rect">
+            <a:avLst/>
+          </a:prstGeom>
+          <a:noFill/>
+        </p:spPr>
+        <p:txBody>
+          <a:bodyPr wrap="square" rtlCol="0">
+            <a:spAutoFit/>
+          </a:bodyPr>
+          <a:lstStyle/>
+          <a:p>
+            <a:r>
+              <a:rPr lang="en-GB" sz="1000" dirty="0"/>
+              <a:t>Wind </a:t>
+            </a:r>
+            <a:r>
+              <a:rPr lang="en-US" altLang="zh-CN" sz="1000" dirty="0"/>
+              <a:t>direction</a:t>
+            </a:r>
+            <a:endParaRPr lang="en-GB" sz="1000" dirty="0"/>
+          </a:p>
+        </p:txBody>
+      </p:sp>
+      <p:cxnSp>
+        <p:nvCxnSpPr>
+          <p:cNvPr id="20" name="Straight Connector 19">
+            <a:extLst>
+              <a:ext uri="{FF2B5EF4-FFF2-40B4-BE49-F238E27FC236}">
+                <a16:creationId xmlns:a16="http://schemas.microsoft.com/office/drawing/2014/main" id="{F76BE9C8-68BC-4EB8-B55A-A1BCC15C8437}"/>
+              </a:ext>
+            </a:extLst>
+          </p:cNvPr>
+          <p:cNvCxnSpPr>
+            <a:cxnSpLocks/>
+          </p:cNvCxnSpPr>
+          <p:nvPr/>
+        </p:nvCxnSpPr>
+        <p:spPr>
+          <a:xfrm flipV="1">
+            <a:off x="1519435" y="2393988"/>
+            <a:ext cx="5996902" cy="1908059"/>
+          </a:xfrm>
+          <a:prstGeom prst="line">
+            <a:avLst/>
+          </a:prstGeom>
+          <a:ln>
+            <a:solidFill>
+              <a:srgbClr val="00B050"/>
+            </a:solidFill>
+            <a:prstDash val="lgDash"/>
+          </a:ln>
+        </p:spPr>
+        <p:style>
+          <a:lnRef idx="1">
+            <a:schemeClr val="accent1"/>
+          </a:lnRef>
+          <a:fillRef idx="0">
+            <a:schemeClr val="accent1"/>
+          </a:fillRef>
+          <a:effectRef idx="0">
+            <a:schemeClr val="accent1"/>
+          </a:effectRef>
+          <a:fontRef idx="minor">
+            <a:schemeClr val="tx1"/>
+          </a:fontRef>
+        </p:style>
+      </p:cxnSp>
+      <p:cxnSp>
+        <p:nvCxnSpPr>
+          <p:cNvPr id="35" name="Straight Connector 34">
+            <a:extLst>
+              <a:ext uri="{FF2B5EF4-FFF2-40B4-BE49-F238E27FC236}">
+                <a16:creationId xmlns:a16="http://schemas.microsoft.com/office/drawing/2014/main" id="{0406BFBC-E5C9-471D-9796-EC28C0F5EC5D}"/>
+              </a:ext>
+            </a:extLst>
+          </p:cNvPr>
+          <p:cNvCxnSpPr>
+            <a:cxnSpLocks/>
+          </p:cNvCxnSpPr>
+          <p:nvPr/>
+        </p:nvCxnSpPr>
+        <p:spPr>
+          <a:xfrm flipV="1">
+            <a:off x="1885950" y="3428504"/>
+            <a:ext cx="5933151" cy="1953122"/>
+          </a:xfrm>
+          <a:prstGeom prst="line">
+            <a:avLst/>
+          </a:prstGeom>
+          <a:ln>
+            <a:solidFill>
+              <a:srgbClr val="00B050"/>
+            </a:solidFill>
+            <a:prstDash val="lgDash"/>
+          </a:ln>
+        </p:spPr>
+        <p:style>
+          <a:lnRef idx="1">
+            <a:schemeClr val="accent1"/>
+          </a:lnRef>
+          <a:fillRef idx="0">
+            <a:schemeClr val="accent1"/>
+          </a:fillRef>
+          <a:effectRef idx="0">
+            <a:schemeClr val="accent1"/>
+          </a:effectRef>
+          <a:fontRef idx="minor">
+            <a:schemeClr val="tx1"/>
+          </a:fontRef>
+        </p:style>
+      </p:cxnSp>
+      <p:cxnSp>
+        <p:nvCxnSpPr>
+          <p:cNvPr id="30" name="Straight Arrow Connector 29">
+            <a:extLst>
+              <a:ext uri="{FF2B5EF4-FFF2-40B4-BE49-F238E27FC236}">
+                <a16:creationId xmlns:a16="http://schemas.microsoft.com/office/drawing/2014/main" id="{5E638927-E058-4353-9FB5-C84EEED7C09F}"/>
+              </a:ext>
+            </a:extLst>
+          </p:cNvPr>
+          <p:cNvCxnSpPr>
+            <a:cxnSpLocks/>
+          </p:cNvCxnSpPr>
+          <p:nvPr/>
+        </p:nvCxnSpPr>
+        <p:spPr>
+          <a:xfrm flipH="1">
+            <a:off x="7251488" y="3818534"/>
+            <a:ext cx="436741" cy="116574"/>
+          </a:xfrm>
+          <a:prstGeom prst="straightConnector1">
+            <a:avLst/>
+          </a:prstGeom>
+          <a:ln w="25400">
+            <a:solidFill>
+              <a:srgbClr val="FFC000"/>
+            </a:solidFill>
+            <a:tailEnd type="triangle" w="lg" len="lg"/>
+          </a:ln>
+        </p:spPr>
+        <p:style>
+          <a:lnRef idx="1">
+            <a:schemeClr val="accent1"/>
+          </a:lnRef>
+          <a:fillRef idx="0">
+            <a:schemeClr val="accent1"/>
+          </a:fillRef>
+          <a:effectRef idx="0">
+            <a:schemeClr val="accent1"/>
+          </a:effectRef>
+          <a:fontRef idx="minor">
+            <a:schemeClr val="tx1"/>
+          </a:fontRef>
+        </p:style>
+      </p:cxnSp>
+      <p:grpSp>
+        <p:nvGrpSpPr>
+          <p:cNvPr id="14" name="Group 13">
+            <a:extLst>
+              <a:ext uri="{FF2B5EF4-FFF2-40B4-BE49-F238E27FC236}">
+                <a16:creationId xmlns:a16="http://schemas.microsoft.com/office/drawing/2014/main" id="{5A693707-F009-4863-A47A-71A2970A4BEC}"/>
+              </a:ext>
+            </a:extLst>
+          </p:cNvPr>
+          <p:cNvGrpSpPr/>
+          <p:nvPr/>
+        </p:nvGrpSpPr>
+        <p:grpSpPr>
+          <a:xfrm>
+            <a:off x="6842995" y="4495364"/>
+            <a:ext cx="1919401" cy="824502"/>
+            <a:chOff x="4458418" y="5002486"/>
+            <a:chExt cx="1919401" cy="824502"/>
+          </a:xfrm>
+        </p:grpSpPr>
+        <p:sp>
+          <p:nvSpPr>
+            <p:cNvPr id="38" name="Partial Circle 37">
+              <a:extLst>
+                <a:ext uri="{FF2B5EF4-FFF2-40B4-BE49-F238E27FC236}">
+                  <a16:creationId xmlns:a16="http://schemas.microsoft.com/office/drawing/2014/main" id="{2469C6A7-99D9-4923-BEA8-4333439B4985}"/>
+                </a:ext>
+              </a:extLst>
+            </p:cNvPr>
+            <p:cNvSpPr/>
+            <p:nvPr/>
+          </p:nvSpPr>
+          <p:spPr>
+            <a:xfrm>
+              <a:off x="4458418" y="5002486"/>
+              <a:ext cx="741357" cy="824502"/>
+            </a:xfrm>
+            <a:prstGeom prst="pie">
+              <a:avLst>
+                <a:gd name="adj1" fmla="val 17967055"/>
+                <a:gd name="adj2" fmla="val 1004311"/>
+              </a:avLst>
+            </a:prstGeom>
+            <a:pattFill prst="pct50">
+              <a:fgClr>
+                <a:schemeClr val="accent2">
+                  <a:lumMod val="40000"/>
+                  <a:lumOff val="60000"/>
+                </a:schemeClr>
+              </a:fgClr>
+              <a:bgClr>
+                <a:schemeClr val="bg1"/>
+              </a:bgClr>
+            </a:pattFill>
+            <a:ln>
+              <a:noFill/>
+            </a:ln>
+          </p:spPr>
+          <p:style>
+            <a:lnRef idx="2">
+              <a:schemeClr val="accent1">
+                <a:shade val="50000"/>
+              </a:schemeClr>
+            </a:lnRef>
+            <a:fillRef idx="1">
+              <a:schemeClr val="accent1"/>
+            </a:fillRef>
+            <a:effectRef idx="0">
+              <a:schemeClr val="accent1"/>
+            </a:effectRef>
+            <a:fontRef idx="minor">
+              <a:schemeClr val="lt1"/>
+            </a:fontRef>
+          </p:style>
+          <p:txBody>
+            <a:bodyPr rtlCol="0" anchor="ctr"/>
+            <a:lstStyle/>
+            <a:p>
+              <a:pPr algn="ctr"/>
+              <a:endParaRPr lang="en-GB" sz="2000">
+                <a:solidFill>
+                  <a:schemeClr val="tx1"/>
+                </a:solidFill>
+              </a:endParaRPr>
+            </a:p>
+          </p:txBody>
+        </p:sp>
+        <p:sp>
+          <p:nvSpPr>
+            <p:cNvPr id="44" name="TextBox 43">
+              <a:extLst>
+                <a:ext uri="{FF2B5EF4-FFF2-40B4-BE49-F238E27FC236}">
+                  <a16:creationId xmlns:a16="http://schemas.microsoft.com/office/drawing/2014/main" id="{006B052D-EF73-4A0E-99F0-F070050D070A}"/>
+                </a:ext>
+              </a:extLst>
+            </p:cNvPr>
+            <p:cNvSpPr txBox="1"/>
+            <p:nvPr/>
+          </p:nvSpPr>
+          <p:spPr>
+            <a:xfrm>
+              <a:off x="5238129" y="5035075"/>
+              <a:ext cx="1139690" cy="553998"/>
+            </a:xfrm>
+            <a:prstGeom prst="rect">
+              <a:avLst/>
+            </a:prstGeom>
+            <a:noFill/>
+          </p:spPr>
+          <p:txBody>
+            <a:bodyPr wrap="square" rtlCol="0">
+              <a:spAutoFit/>
+            </a:bodyPr>
+            <a:lstStyle/>
+            <a:p>
+              <a:r>
+                <a:rPr lang="en-GB" sz="1000" dirty="0"/>
+                <a:t>Dead zone because of wind direction</a:t>
+              </a:r>
+            </a:p>
+          </p:txBody>
+        </p:sp>
+      </p:grpSp>
+      <p:cxnSp>
+        <p:nvCxnSpPr>
+          <p:cNvPr id="50" name="Straight Arrow Connector 49">
+            <a:extLst>
+              <a:ext uri="{FF2B5EF4-FFF2-40B4-BE49-F238E27FC236}">
+                <a16:creationId xmlns:a16="http://schemas.microsoft.com/office/drawing/2014/main" id="{0AB30504-D363-4D29-AA79-D5975FA15A01}"/>
+              </a:ext>
+            </a:extLst>
+          </p:cNvPr>
+          <p:cNvCxnSpPr>
+            <a:cxnSpLocks/>
+          </p:cNvCxnSpPr>
+          <p:nvPr/>
+        </p:nvCxnSpPr>
+        <p:spPr>
+          <a:xfrm>
+            <a:off x="2803237" y="3935108"/>
+            <a:ext cx="323850" cy="1002820"/>
+          </a:xfrm>
+          <a:prstGeom prst="straightConnector1">
+            <a:avLst/>
+          </a:prstGeom>
+          <a:ln>
+            <a:solidFill>
+              <a:schemeClr val="bg1">
+                <a:lumMod val="50000"/>
+              </a:schemeClr>
+            </a:solidFill>
+            <a:headEnd type="triangle"/>
+            <a:tailEnd type="triangle"/>
+          </a:ln>
+        </p:spPr>
+        <p:style>
+          <a:lnRef idx="1">
+            <a:schemeClr val="accent1"/>
+          </a:lnRef>
+          <a:fillRef idx="0">
+            <a:schemeClr val="accent1"/>
+          </a:fillRef>
+          <a:effectRef idx="0">
+            <a:schemeClr val="accent1"/>
+          </a:effectRef>
+          <a:fontRef idx="minor">
+            <a:schemeClr val="tx1"/>
+          </a:fontRef>
+        </p:style>
+      </p:cxnSp>
+      <p:sp>
+        <p:nvSpPr>
+          <p:cNvPr id="51" name="TextBox 50">
+            <a:extLst>
+              <a:ext uri="{FF2B5EF4-FFF2-40B4-BE49-F238E27FC236}">
+                <a16:creationId xmlns:a16="http://schemas.microsoft.com/office/drawing/2014/main" id="{E4623E28-9A2B-4FB9-86DE-2B7400E638EF}"/>
+              </a:ext>
+            </a:extLst>
+          </p:cNvPr>
+          <p:cNvSpPr txBox="1"/>
+          <p:nvPr/>
+        </p:nvSpPr>
+        <p:spPr>
+          <a:xfrm>
+            <a:off x="3012183" y="4468654"/>
+            <a:ext cx="792205" cy="246221"/>
+          </a:xfrm>
+          <a:prstGeom prst="rect">
+            <a:avLst/>
+          </a:prstGeom>
+          <a:noFill/>
+        </p:spPr>
+        <p:txBody>
+          <a:bodyPr wrap="none" rtlCol="0">
+            <a:spAutoFit/>
+          </a:bodyPr>
+          <a:lstStyle/>
+          <a:p>
+            <a:r>
+              <a:rPr lang="en-GB" sz="1000" dirty="0"/>
+              <a:t>Track width</a:t>
+            </a:r>
+          </a:p>
+        </p:txBody>
+      </p:sp>
+      <p:cxnSp>
+        <p:nvCxnSpPr>
+          <p:cNvPr id="53" name="Straight Connector 52">
+            <a:extLst>
+              <a:ext uri="{FF2B5EF4-FFF2-40B4-BE49-F238E27FC236}">
+                <a16:creationId xmlns:a16="http://schemas.microsoft.com/office/drawing/2014/main" id="{609EB4DE-15A1-4AB4-9727-21DDB07ED5C3}"/>
+              </a:ext>
+            </a:extLst>
+          </p:cNvPr>
+          <p:cNvCxnSpPr>
+            <a:cxnSpLocks/>
+          </p:cNvCxnSpPr>
+          <p:nvPr/>
+        </p:nvCxnSpPr>
+        <p:spPr>
+          <a:xfrm>
+            <a:off x="7516337" y="2393988"/>
+            <a:ext cx="1037113" cy="225573"/>
+          </a:xfrm>
+          <a:prstGeom prst="line">
+            <a:avLst/>
+          </a:prstGeom>
+          <a:ln>
+            <a:solidFill>
+              <a:srgbClr val="00B050"/>
+            </a:solidFill>
+            <a:prstDash val="lgDash"/>
+          </a:ln>
+        </p:spPr>
+        <p:style>
+          <a:lnRef idx="1">
+            <a:schemeClr val="accent1"/>
+          </a:lnRef>
+          <a:fillRef idx="0">
+            <a:schemeClr val="accent1"/>
+          </a:fillRef>
+          <a:effectRef idx="0">
+            <a:schemeClr val="accent1"/>
+          </a:effectRef>
+          <a:fontRef idx="minor">
+            <a:schemeClr val="tx1"/>
+          </a:fontRef>
+        </p:style>
+      </p:cxnSp>
+      <p:cxnSp>
+        <p:nvCxnSpPr>
+          <p:cNvPr id="54" name="Straight Connector 53">
+            <a:extLst>
+              <a:ext uri="{FF2B5EF4-FFF2-40B4-BE49-F238E27FC236}">
+                <a16:creationId xmlns:a16="http://schemas.microsoft.com/office/drawing/2014/main" id="{BE01F0A4-0812-4DC0-883A-E78976F644D0}"/>
+              </a:ext>
+            </a:extLst>
+          </p:cNvPr>
+          <p:cNvCxnSpPr>
+            <a:cxnSpLocks/>
+          </p:cNvCxnSpPr>
+          <p:nvPr/>
+        </p:nvCxnSpPr>
+        <p:spPr>
+          <a:xfrm flipV="1">
+            <a:off x="7819101" y="2619563"/>
+            <a:ext cx="744316" cy="809437"/>
+          </a:xfrm>
+          <a:prstGeom prst="line">
+            <a:avLst/>
+          </a:prstGeom>
+          <a:ln>
+            <a:solidFill>
+              <a:srgbClr val="00B050"/>
+            </a:solidFill>
+            <a:prstDash val="lgDash"/>
+          </a:ln>
+        </p:spPr>
+        <p:style>
+          <a:lnRef idx="1">
+            <a:schemeClr val="accent1"/>
+          </a:lnRef>
+          <a:fillRef idx="0">
+            <a:schemeClr val="accent1"/>
+          </a:fillRef>
+          <a:effectRef idx="0">
+            <a:schemeClr val="accent1"/>
+          </a:effectRef>
+          <a:fontRef idx="minor">
+            <a:schemeClr val="tx1"/>
+          </a:fontRef>
+        </p:style>
+      </p:cxnSp>
+      <p:sp>
+        <p:nvSpPr>
+          <p:cNvPr id="59" name="TextBox 58">
+            <a:extLst>
+              <a:ext uri="{FF2B5EF4-FFF2-40B4-BE49-F238E27FC236}">
+                <a16:creationId xmlns:a16="http://schemas.microsoft.com/office/drawing/2014/main" id="{3007A954-09BA-4B2D-A66B-7A36B947A472}"/>
+              </a:ext>
+            </a:extLst>
+          </p:cNvPr>
+          <p:cNvSpPr txBox="1"/>
+          <p:nvPr/>
+        </p:nvSpPr>
+        <p:spPr>
+          <a:xfrm>
+            <a:off x="8317599" y="2942553"/>
+            <a:ext cx="1417704" cy="246221"/>
+          </a:xfrm>
+          <a:prstGeom prst="rect">
+            <a:avLst/>
+          </a:prstGeom>
+          <a:noFill/>
+        </p:spPr>
+        <p:txBody>
+          <a:bodyPr wrap="square" rtlCol="0">
+            <a:spAutoFit/>
+          </a:bodyPr>
+          <a:lstStyle/>
+          <a:p>
+            <a:r>
+              <a:rPr lang="en-GB" sz="1000" dirty="0"/>
+              <a:t>Path shrinking angle</a:t>
+            </a:r>
+          </a:p>
+        </p:txBody>
+      </p:sp>
+      <p:sp>
+        <p:nvSpPr>
+          <p:cNvPr id="60" name="Arc 59">
+            <a:extLst>
+              <a:ext uri="{FF2B5EF4-FFF2-40B4-BE49-F238E27FC236}">
+                <a16:creationId xmlns:a16="http://schemas.microsoft.com/office/drawing/2014/main" id="{AA4E8A60-5024-4B29-A912-46E0A2FA4805}"/>
+              </a:ext>
+            </a:extLst>
+          </p:cNvPr>
+          <p:cNvSpPr/>
+          <p:nvPr/>
+        </p:nvSpPr>
+        <p:spPr>
+          <a:xfrm rot="12709950">
+            <a:off x="8333231" y="2510025"/>
+            <a:ext cx="360430" cy="331342"/>
+          </a:xfrm>
+          <a:prstGeom prst="arc">
+            <a:avLst>
+              <a:gd name="adj1" fmla="val 16950330"/>
+              <a:gd name="adj2" fmla="val 0"/>
+            </a:avLst>
+          </a:prstGeom>
+          <a:ln>
+            <a:solidFill>
+              <a:schemeClr val="bg1">
+                <a:lumMod val="50000"/>
+              </a:schemeClr>
+            </a:solidFill>
+          </a:ln>
+        </p:spPr>
+        <p:style>
+          <a:lnRef idx="1">
+            <a:schemeClr val="accent1"/>
+          </a:lnRef>
+          <a:fillRef idx="0">
+            <a:schemeClr val="accent1"/>
+          </a:fillRef>
+          <a:effectRef idx="0">
+            <a:schemeClr val="accent1"/>
+          </a:effectRef>
+          <a:fontRef idx="minor">
+            <a:schemeClr val="tx1"/>
+          </a:fontRef>
+        </p:style>
+        <p:txBody>
+          <a:bodyPr rtlCol="0" anchor="ctr"/>
+          <a:lstStyle/>
+          <a:p>
+            <a:pPr algn="ctr"/>
+            <a:endParaRPr lang="en-GB" sz="2000"/>
+          </a:p>
+        </p:txBody>
+      </p:sp>
+      <p:sp>
+        <p:nvSpPr>
+          <p:cNvPr id="61" name="TextBox 60">
+            <a:extLst>
+              <a:ext uri="{FF2B5EF4-FFF2-40B4-BE49-F238E27FC236}">
+                <a16:creationId xmlns:a16="http://schemas.microsoft.com/office/drawing/2014/main" id="{FFBC1766-DBAE-4CCB-9B3B-99DC5AB66C68}"/>
+              </a:ext>
+            </a:extLst>
+          </p:cNvPr>
+          <p:cNvSpPr txBox="1"/>
+          <p:nvPr/>
+        </p:nvSpPr>
+        <p:spPr>
+          <a:xfrm>
+            <a:off x="3012183" y="3228449"/>
+            <a:ext cx="805029" cy="400110"/>
+          </a:xfrm>
+          <a:prstGeom prst="rect">
+            <a:avLst/>
+          </a:prstGeom>
+          <a:noFill/>
+        </p:spPr>
+        <p:txBody>
+          <a:bodyPr wrap="none" rtlCol="0">
+            <a:spAutoFit/>
+          </a:bodyPr>
+          <a:lstStyle/>
+          <a:p>
+            <a:r>
+              <a:rPr lang="en-GB" sz="1000" dirty="0"/>
+              <a:t>Out of track</a:t>
+            </a:r>
+          </a:p>
+          <a:p>
+            <a:r>
+              <a:rPr lang="en-GB" sz="1000" dirty="0"/>
+              <a:t>turning</a:t>
+            </a:r>
+          </a:p>
+        </p:txBody>
+      </p:sp>
+    </p:spTree>
+    <p:extLst>
+      <p:ext uri="{BB962C8B-B14F-4D97-AF65-F5344CB8AC3E}">
+        <p14:creationId xmlns:p14="http://schemas.microsoft.com/office/powerpoint/2010/main" val="4059081043"/>
       </p:ext>
     </p:extLst>
   </p:cSld>
@@ -12579,6 +14792,849 @@
 </p:sld>
 </file>
 
+<file path=ppt/slides/slide9.xml><?xml version="1.0" encoding="utf-8"?>
+<p:sld xmlns:a="http://schemas.openxmlformats.org/drawingml/2006/main" xmlns:r="http://schemas.openxmlformats.org/officeDocument/2006/relationships" xmlns:p="http://schemas.openxmlformats.org/presentationml/2006/main">
+  <p:cSld>
+    <p:spTree>
+      <p:nvGrpSpPr>
+        <p:cNvPr id="1" name=""/>
+        <p:cNvGrpSpPr/>
+        <p:nvPr/>
+      </p:nvGrpSpPr>
+      <p:grpSpPr>
+        <a:xfrm>
+          <a:off x="0" y="0"/>
+          <a:ext cx="0" cy="0"/>
+          <a:chOff x="0" y="0"/>
+          <a:chExt cx="0" cy="0"/>
+        </a:xfrm>
+      </p:grpSpPr>
+      <p:cxnSp>
+        <p:nvCxnSpPr>
+          <p:cNvPr id="5" name="Straight Connector 4">
+            <a:extLst>
+              <a:ext uri="{FF2B5EF4-FFF2-40B4-BE49-F238E27FC236}">
+                <a16:creationId xmlns:a16="http://schemas.microsoft.com/office/drawing/2014/main" id="{30E06BE9-6F8C-40CE-BBA6-7F3DAECA29CE}"/>
+              </a:ext>
+            </a:extLst>
+          </p:cNvPr>
+          <p:cNvCxnSpPr>
+            <a:cxnSpLocks/>
+          </p:cNvCxnSpPr>
+          <p:nvPr/>
+        </p:nvCxnSpPr>
+        <p:spPr>
+          <a:xfrm flipV="1">
+            <a:off x="2947117" y="3895948"/>
+            <a:ext cx="3575603" cy="989512"/>
+          </a:xfrm>
+          <a:prstGeom prst="line">
+            <a:avLst/>
+          </a:prstGeom>
+          <a:ln w="12700">
+            <a:headEnd type="oval" w="med" len="med"/>
+            <a:tailEnd type="oval" w="med" len="med"/>
+          </a:ln>
+        </p:spPr>
+        <p:style>
+          <a:lnRef idx="1">
+            <a:schemeClr val="accent1"/>
+          </a:lnRef>
+          <a:fillRef idx="0">
+            <a:schemeClr val="accent1"/>
+          </a:fillRef>
+          <a:effectRef idx="0">
+            <a:schemeClr val="accent1"/>
+          </a:effectRef>
+          <a:fontRef idx="minor">
+            <a:schemeClr val="tx1"/>
+          </a:fontRef>
+        </p:style>
+      </p:cxnSp>
+      <p:sp>
+        <p:nvSpPr>
+          <p:cNvPr id="8" name="Isosceles Triangle 7">
+            <a:extLst>
+              <a:ext uri="{FF2B5EF4-FFF2-40B4-BE49-F238E27FC236}">
+                <a16:creationId xmlns:a16="http://schemas.microsoft.com/office/drawing/2014/main" id="{FC832D32-308B-4DF5-A16D-6CAB36411713}"/>
+              </a:ext>
+            </a:extLst>
+          </p:cNvPr>
+          <p:cNvSpPr/>
+          <p:nvPr/>
+        </p:nvSpPr>
+        <p:spPr>
+          <a:xfrm rot="3849844">
+            <a:off x="3405063" y="3646573"/>
+            <a:ext cx="167640" cy="289560"/>
+          </a:xfrm>
+          <a:prstGeom prst="triangle">
+            <a:avLst>
+              <a:gd name="adj" fmla="val 51387"/>
+            </a:avLst>
+          </a:prstGeom>
+          <a:solidFill>
+            <a:srgbClr val="FF0000"/>
+          </a:solidFill>
+          <a:ln>
+            <a:noFill/>
+          </a:ln>
+        </p:spPr>
+        <p:style>
+          <a:lnRef idx="2">
+            <a:schemeClr val="accent1">
+              <a:shade val="50000"/>
+            </a:schemeClr>
+          </a:lnRef>
+          <a:fillRef idx="1">
+            <a:schemeClr val="accent1"/>
+          </a:fillRef>
+          <a:effectRef idx="0">
+            <a:schemeClr val="accent1"/>
+          </a:effectRef>
+          <a:fontRef idx="minor">
+            <a:schemeClr val="lt1"/>
+          </a:fontRef>
+        </p:style>
+        <p:txBody>
+          <a:bodyPr rtlCol="0" anchor="ctr"/>
+          <a:lstStyle/>
+          <a:p>
+            <a:pPr algn="ctr"/>
+            <a:endParaRPr lang="en-GB">
+              <a:solidFill>
+                <a:srgbClr val="FF0000"/>
+              </a:solidFill>
+            </a:endParaRPr>
+          </a:p>
+        </p:txBody>
+      </p:sp>
+      <p:cxnSp>
+        <p:nvCxnSpPr>
+          <p:cNvPr id="17" name="Straight Arrow Connector 16">
+            <a:extLst>
+              <a:ext uri="{FF2B5EF4-FFF2-40B4-BE49-F238E27FC236}">
+                <a16:creationId xmlns:a16="http://schemas.microsoft.com/office/drawing/2014/main" id="{EDDB9A20-8C11-49E7-9B4C-3B3C0A4E5D1A}"/>
+              </a:ext>
+            </a:extLst>
+          </p:cNvPr>
+          <p:cNvCxnSpPr>
+            <a:cxnSpLocks/>
+            <a:stCxn id="8" idx="0"/>
+          </p:cNvCxnSpPr>
+          <p:nvPr/>
+        </p:nvCxnSpPr>
+        <p:spPr>
+          <a:xfrm flipV="1">
+            <a:off x="3620205" y="3219746"/>
+            <a:ext cx="904170" cy="510605"/>
+          </a:xfrm>
+          <a:prstGeom prst="straightConnector1">
+            <a:avLst/>
+          </a:prstGeom>
+          <a:ln>
+            <a:solidFill>
+              <a:srgbClr val="FF0000"/>
+            </a:solidFill>
+            <a:tailEnd type="triangle"/>
+          </a:ln>
+        </p:spPr>
+        <p:style>
+          <a:lnRef idx="1">
+            <a:schemeClr val="accent1"/>
+          </a:lnRef>
+          <a:fillRef idx="0">
+            <a:schemeClr val="accent1"/>
+          </a:fillRef>
+          <a:effectRef idx="0">
+            <a:schemeClr val="accent1"/>
+          </a:effectRef>
+          <a:fontRef idx="minor">
+            <a:schemeClr val="tx1"/>
+          </a:fontRef>
+        </p:style>
+      </p:cxnSp>
+      <p:cxnSp>
+        <p:nvCxnSpPr>
+          <p:cNvPr id="19" name="Straight Arrow Connector 18">
+            <a:extLst>
+              <a:ext uri="{FF2B5EF4-FFF2-40B4-BE49-F238E27FC236}">
+                <a16:creationId xmlns:a16="http://schemas.microsoft.com/office/drawing/2014/main" id="{99AC8E85-B0D2-4A21-A6E7-CA596A9AD8AC}"/>
+              </a:ext>
+            </a:extLst>
+          </p:cNvPr>
+          <p:cNvCxnSpPr>
+            <a:cxnSpLocks/>
+            <a:stCxn id="8" idx="0"/>
+          </p:cNvCxnSpPr>
+          <p:nvPr/>
+        </p:nvCxnSpPr>
+        <p:spPr>
+          <a:xfrm>
+            <a:off x="3620205" y="3730351"/>
+            <a:ext cx="1081335" cy="183144"/>
+          </a:xfrm>
+          <a:prstGeom prst="straightConnector1">
+            <a:avLst/>
+          </a:prstGeom>
+          <a:ln>
+            <a:solidFill>
+              <a:srgbClr val="00B0F0"/>
+            </a:solidFill>
+            <a:tailEnd type="triangle"/>
+          </a:ln>
+        </p:spPr>
+        <p:style>
+          <a:lnRef idx="1">
+            <a:schemeClr val="accent1"/>
+          </a:lnRef>
+          <a:fillRef idx="0">
+            <a:schemeClr val="accent1"/>
+          </a:fillRef>
+          <a:effectRef idx="0">
+            <a:schemeClr val="accent1"/>
+          </a:effectRef>
+          <a:fontRef idx="minor">
+            <a:schemeClr val="tx1"/>
+          </a:fontRef>
+        </p:style>
+      </p:cxnSp>
+      <p:cxnSp>
+        <p:nvCxnSpPr>
+          <p:cNvPr id="23" name="Straight Arrow Connector 22">
+            <a:extLst>
+              <a:ext uri="{FF2B5EF4-FFF2-40B4-BE49-F238E27FC236}">
+                <a16:creationId xmlns:a16="http://schemas.microsoft.com/office/drawing/2014/main" id="{AF1A99C6-1097-47C9-AC46-EDA3F250FFE0}"/>
+              </a:ext>
+            </a:extLst>
+          </p:cNvPr>
+          <p:cNvCxnSpPr>
+            <a:cxnSpLocks/>
+            <a:stCxn id="8" idx="5"/>
+          </p:cNvCxnSpPr>
+          <p:nvPr/>
+        </p:nvCxnSpPr>
+        <p:spPr>
+          <a:xfrm>
+            <a:off x="3507654" y="3830121"/>
+            <a:ext cx="243300" cy="792489"/>
+          </a:xfrm>
+          <a:prstGeom prst="straightConnector1">
+            <a:avLst/>
+          </a:prstGeom>
+          <a:ln>
+            <a:solidFill>
+              <a:schemeClr val="bg1">
+                <a:lumMod val="50000"/>
+              </a:schemeClr>
+            </a:solidFill>
+            <a:headEnd type="triangle"/>
+            <a:tailEnd type="triangle"/>
+          </a:ln>
+        </p:spPr>
+        <p:style>
+          <a:lnRef idx="1">
+            <a:schemeClr val="accent1"/>
+          </a:lnRef>
+          <a:fillRef idx="0">
+            <a:schemeClr val="accent1"/>
+          </a:fillRef>
+          <a:effectRef idx="0">
+            <a:schemeClr val="accent1"/>
+          </a:effectRef>
+          <a:fontRef idx="minor">
+            <a:schemeClr val="tx1"/>
+          </a:fontRef>
+        </p:style>
+      </p:cxnSp>
+      <p:sp>
+        <p:nvSpPr>
+          <p:cNvPr id="26" name="TextBox 25">
+            <a:extLst>
+              <a:ext uri="{FF2B5EF4-FFF2-40B4-BE49-F238E27FC236}">
+                <a16:creationId xmlns:a16="http://schemas.microsoft.com/office/drawing/2014/main" id="{59DF6735-A76C-4687-9AE3-58D6B3DDBE2D}"/>
+              </a:ext>
+            </a:extLst>
+          </p:cNvPr>
+          <p:cNvSpPr txBox="1"/>
+          <p:nvPr/>
+        </p:nvSpPr>
+        <p:spPr>
+          <a:xfrm>
+            <a:off x="3207377" y="4129737"/>
+            <a:ext cx="444352" cy="230832"/>
+          </a:xfrm>
+          <a:prstGeom prst="rect">
+            <a:avLst/>
+          </a:prstGeom>
+          <a:noFill/>
+        </p:spPr>
+        <p:txBody>
+          <a:bodyPr wrap="none" rtlCol="0">
+            <a:spAutoFit/>
+          </a:bodyPr>
+          <a:lstStyle/>
+          <a:p>
+            <a:r>
+              <a:rPr lang="en-GB" sz="900" dirty="0"/>
+              <a:t>D_cts</a:t>
+            </a:r>
+          </a:p>
+        </p:txBody>
+      </p:sp>
+      <p:sp>
+        <p:nvSpPr>
+          <p:cNvPr id="33" name="Arc 32">
+            <a:extLst>
+              <a:ext uri="{FF2B5EF4-FFF2-40B4-BE49-F238E27FC236}">
+                <a16:creationId xmlns:a16="http://schemas.microsoft.com/office/drawing/2014/main" id="{E49AAE20-B9AB-47A8-94E7-EB20F972480B}"/>
+              </a:ext>
+            </a:extLst>
+          </p:cNvPr>
+          <p:cNvSpPr/>
+          <p:nvPr/>
+        </p:nvSpPr>
+        <p:spPr>
+          <a:xfrm rot="687166">
+            <a:off x="3414919" y="3552726"/>
+            <a:ext cx="360430" cy="331342"/>
+          </a:xfrm>
+          <a:prstGeom prst="arc">
+            <a:avLst>
+              <a:gd name="adj1" fmla="val 19865683"/>
+              <a:gd name="adj2" fmla="val 0"/>
+            </a:avLst>
+          </a:prstGeom>
+          <a:ln>
+            <a:solidFill>
+              <a:schemeClr val="bg1">
+                <a:lumMod val="50000"/>
+              </a:schemeClr>
+            </a:solidFill>
+          </a:ln>
+        </p:spPr>
+        <p:style>
+          <a:lnRef idx="1">
+            <a:schemeClr val="accent1"/>
+          </a:lnRef>
+          <a:fillRef idx="0">
+            <a:schemeClr val="accent1"/>
+          </a:fillRef>
+          <a:effectRef idx="0">
+            <a:schemeClr val="accent1"/>
+          </a:effectRef>
+          <a:fontRef idx="minor">
+            <a:schemeClr val="tx1"/>
+          </a:fontRef>
+        </p:style>
+        <p:txBody>
+          <a:bodyPr rtlCol="0" anchor="ctr"/>
+          <a:lstStyle/>
+          <a:p>
+            <a:pPr algn="ctr"/>
+            <a:endParaRPr lang="en-GB"/>
+          </a:p>
+        </p:txBody>
+      </p:sp>
+      <p:sp>
+        <p:nvSpPr>
+          <p:cNvPr id="34" name="TextBox 33">
+            <a:extLst>
+              <a:ext uri="{FF2B5EF4-FFF2-40B4-BE49-F238E27FC236}">
+                <a16:creationId xmlns:a16="http://schemas.microsoft.com/office/drawing/2014/main" id="{48936BAD-253C-47B2-9A34-9B2150C2B323}"/>
+              </a:ext>
+            </a:extLst>
+          </p:cNvPr>
+          <p:cNvSpPr txBox="1"/>
+          <p:nvPr/>
+        </p:nvSpPr>
+        <p:spPr>
+          <a:xfrm>
+            <a:off x="3719285" y="3579135"/>
+            <a:ext cx="174376" cy="230832"/>
+          </a:xfrm>
+          <a:prstGeom prst="rect">
+            <a:avLst/>
+          </a:prstGeom>
+          <a:noFill/>
+        </p:spPr>
+        <p:txBody>
+          <a:bodyPr wrap="square" rtlCol="0">
+            <a:spAutoFit/>
+          </a:bodyPr>
+          <a:lstStyle/>
+          <a:p>
+            <a:r>
+              <a:rPr lang="el-GR" sz="900" dirty="0"/>
+              <a:t>α</a:t>
+            </a:r>
+            <a:endParaRPr lang="en-GB" sz="900" dirty="0"/>
+          </a:p>
+        </p:txBody>
+      </p:sp>
+      <p:sp>
+        <p:nvSpPr>
+          <p:cNvPr id="41" name="TextBox 40">
+            <a:extLst>
+              <a:ext uri="{FF2B5EF4-FFF2-40B4-BE49-F238E27FC236}">
+                <a16:creationId xmlns:a16="http://schemas.microsoft.com/office/drawing/2014/main" id="{EF26827B-2805-41FB-A53A-1A383EA54078}"/>
+              </a:ext>
+            </a:extLst>
+          </p:cNvPr>
+          <p:cNvSpPr txBox="1"/>
+          <p:nvPr/>
+        </p:nvSpPr>
+        <p:spPr>
+          <a:xfrm>
+            <a:off x="2513344" y="4902756"/>
+            <a:ext cx="888385" cy="230832"/>
+          </a:xfrm>
+          <a:prstGeom prst="rect">
+            <a:avLst/>
+          </a:prstGeom>
+          <a:noFill/>
+        </p:spPr>
+        <p:txBody>
+          <a:bodyPr wrap="none" rtlCol="0">
+            <a:spAutoFit/>
+          </a:bodyPr>
+          <a:lstStyle/>
+          <a:p>
+            <a:r>
+              <a:rPr lang="en-GB" sz="900" dirty="0"/>
+              <a:t>Base Waypoint</a:t>
+            </a:r>
+          </a:p>
+        </p:txBody>
+      </p:sp>
+      <p:sp>
+        <p:nvSpPr>
+          <p:cNvPr id="42" name="TextBox 41">
+            <a:extLst>
+              <a:ext uri="{FF2B5EF4-FFF2-40B4-BE49-F238E27FC236}">
+                <a16:creationId xmlns:a16="http://schemas.microsoft.com/office/drawing/2014/main" id="{A01E326D-C340-4D51-B63D-91270764F1F3}"/>
+              </a:ext>
+            </a:extLst>
+          </p:cNvPr>
+          <p:cNvSpPr txBox="1"/>
+          <p:nvPr/>
+        </p:nvSpPr>
+        <p:spPr>
+          <a:xfrm>
+            <a:off x="6037651" y="4020408"/>
+            <a:ext cx="970137" cy="230832"/>
+          </a:xfrm>
+          <a:prstGeom prst="rect">
+            <a:avLst/>
+          </a:prstGeom>
+          <a:noFill/>
+        </p:spPr>
+        <p:txBody>
+          <a:bodyPr wrap="none" rtlCol="0">
+            <a:spAutoFit/>
+          </a:bodyPr>
+          <a:lstStyle/>
+          <a:p>
+            <a:r>
+              <a:rPr lang="en-GB" sz="900" dirty="0"/>
+              <a:t>Target Waypoint</a:t>
+            </a:r>
+          </a:p>
+        </p:txBody>
+      </p:sp>
+      <p:sp>
+        <p:nvSpPr>
+          <p:cNvPr id="45" name="TextBox 44">
+            <a:extLst>
+              <a:ext uri="{FF2B5EF4-FFF2-40B4-BE49-F238E27FC236}">
+                <a16:creationId xmlns:a16="http://schemas.microsoft.com/office/drawing/2014/main" id="{8CF6D607-2013-424D-AA3A-1B864022CA94}"/>
+              </a:ext>
+            </a:extLst>
+          </p:cNvPr>
+          <p:cNvSpPr txBox="1"/>
+          <p:nvPr/>
+        </p:nvSpPr>
+        <p:spPr>
+          <a:xfrm>
+            <a:off x="4072290" y="2956001"/>
+            <a:ext cx="803425" cy="230832"/>
+          </a:xfrm>
+          <a:prstGeom prst="rect">
+            <a:avLst/>
+          </a:prstGeom>
+          <a:noFill/>
+        </p:spPr>
+        <p:txBody>
+          <a:bodyPr wrap="none" rtlCol="0">
+            <a:spAutoFit/>
+          </a:bodyPr>
+          <a:lstStyle/>
+          <a:p>
+            <a:r>
+              <a:rPr lang="en-GB" sz="900" dirty="0"/>
+              <a:t>Boat heading</a:t>
+            </a:r>
+          </a:p>
+        </p:txBody>
+      </p:sp>
+      <p:sp>
+        <p:nvSpPr>
+          <p:cNvPr id="49" name="TextBox 48">
+            <a:extLst>
+              <a:ext uri="{FF2B5EF4-FFF2-40B4-BE49-F238E27FC236}">
+                <a16:creationId xmlns:a16="http://schemas.microsoft.com/office/drawing/2014/main" id="{46EFB0F0-B61F-4B52-8ADC-7BCFD156C98A}"/>
+              </a:ext>
+            </a:extLst>
+          </p:cNvPr>
+          <p:cNvSpPr txBox="1"/>
+          <p:nvPr/>
+        </p:nvSpPr>
+        <p:spPr>
+          <a:xfrm>
+            <a:off x="4219449" y="3925795"/>
+            <a:ext cx="888385" cy="230832"/>
+          </a:xfrm>
+          <a:prstGeom prst="rect">
+            <a:avLst/>
+          </a:prstGeom>
+          <a:noFill/>
+        </p:spPr>
+        <p:txBody>
+          <a:bodyPr wrap="none" rtlCol="0">
+            <a:spAutoFit/>
+          </a:bodyPr>
+          <a:lstStyle/>
+          <a:p>
+            <a:r>
+              <a:rPr lang="en-GB" sz="900" dirty="0"/>
+              <a:t>Target heading</a:t>
+            </a:r>
+          </a:p>
+        </p:txBody>
+      </p:sp>
+      <p:sp>
+        <p:nvSpPr>
+          <p:cNvPr id="50" name="TextBox 44">
+            <a:extLst>
+              <a:ext uri="{FF2B5EF4-FFF2-40B4-BE49-F238E27FC236}">
+                <a16:creationId xmlns:a16="http://schemas.microsoft.com/office/drawing/2014/main" id="{8CF6D607-2013-424D-AA3A-1B864022CA94}"/>
+              </a:ext>
+            </a:extLst>
+          </p:cNvPr>
+          <p:cNvSpPr txBox="1"/>
+          <p:nvPr/>
+        </p:nvSpPr>
+        <p:spPr>
+          <a:xfrm>
+            <a:off x="3971993" y="3537400"/>
+            <a:ext cx="679994" cy="230832"/>
+          </a:xfrm>
+          <a:prstGeom prst="rect">
+            <a:avLst/>
+          </a:prstGeom>
+          <a:noFill/>
+        </p:spPr>
+        <p:txBody>
+          <a:bodyPr wrap="none" rtlCol="0">
+            <a:spAutoFit/>
+          </a:bodyPr>
+          <a:lstStyle>
+            <a:defPPr>
+              <a:defRPr lang="en-US"/>
+            </a:defPPr>
+            <a:lvl1pPr marL="0" algn="l" defTabSz="914400" rtl="0" eaLnBrk="1" latinLnBrk="0" hangingPunct="1">
+              <a:defRPr sz="1800" kern="1200">
+                <a:solidFill>
+                  <a:schemeClr val="tx1"/>
+                </a:solidFill>
+                <a:latin typeface="+mn-lt"/>
+                <a:ea typeface="+mn-ea"/>
+                <a:cs typeface="+mn-cs"/>
+              </a:defRPr>
+            </a:lvl1pPr>
+            <a:lvl2pPr marL="457200" algn="l" defTabSz="914400" rtl="0" eaLnBrk="1" latinLnBrk="0" hangingPunct="1">
+              <a:defRPr sz="1800" kern="1200">
+                <a:solidFill>
+                  <a:schemeClr val="tx1"/>
+                </a:solidFill>
+                <a:latin typeface="+mn-lt"/>
+                <a:ea typeface="+mn-ea"/>
+                <a:cs typeface="+mn-cs"/>
+              </a:defRPr>
+            </a:lvl2pPr>
+            <a:lvl3pPr marL="914400" algn="l" defTabSz="914400" rtl="0" eaLnBrk="1" latinLnBrk="0" hangingPunct="1">
+              <a:defRPr sz="1800" kern="1200">
+                <a:solidFill>
+                  <a:schemeClr val="tx1"/>
+                </a:solidFill>
+                <a:latin typeface="+mn-lt"/>
+                <a:ea typeface="+mn-ea"/>
+                <a:cs typeface="+mn-cs"/>
+              </a:defRPr>
+            </a:lvl3pPr>
+            <a:lvl4pPr marL="1371600" algn="l" defTabSz="914400" rtl="0" eaLnBrk="1" latinLnBrk="0" hangingPunct="1">
+              <a:defRPr sz="1800" kern="1200">
+                <a:solidFill>
+                  <a:schemeClr val="tx1"/>
+                </a:solidFill>
+                <a:latin typeface="+mn-lt"/>
+                <a:ea typeface="+mn-ea"/>
+                <a:cs typeface="+mn-cs"/>
+              </a:defRPr>
+            </a:lvl4pPr>
+            <a:lvl5pPr marL="1828800" algn="l" defTabSz="914400" rtl="0" eaLnBrk="1" latinLnBrk="0" hangingPunct="1">
+              <a:defRPr sz="1800" kern="1200">
+                <a:solidFill>
+                  <a:schemeClr val="tx1"/>
+                </a:solidFill>
+                <a:latin typeface="+mn-lt"/>
+                <a:ea typeface="+mn-ea"/>
+                <a:cs typeface="+mn-cs"/>
+              </a:defRPr>
+            </a:lvl5pPr>
+            <a:lvl6pPr marL="2286000" algn="l" defTabSz="914400" rtl="0" eaLnBrk="1" latinLnBrk="0" hangingPunct="1">
+              <a:defRPr sz="1800" kern="1200">
+                <a:solidFill>
+                  <a:schemeClr val="tx1"/>
+                </a:solidFill>
+                <a:latin typeface="+mn-lt"/>
+                <a:ea typeface="+mn-ea"/>
+                <a:cs typeface="+mn-cs"/>
+              </a:defRPr>
+            </a:lvl6pPr>
+            <a:lvl7pPr marL="2743200" algn="l" defTabSz="914400" rtl="0" eaLnBrk="1" latinLnBrk="0" hangingPunct="1">
+              <a:defRPr sz="1800" kern="1200">
+                <a:solidFill>
+                  <a:schemeClr val="tx1"/>
+                </a:solidFill>
+                <a:latin typeface="+mn-lt"/>
+                <a:ea typeface="+mn-ea"/>
+                <a:cs typeface="+mn-cs"/>
+              </a:defRPr>
+            </a:lvl7pPr>
+            <a:lvl8pPr marL="3200400" algn="l" defTabSz="914400" rtl="0" eaLnBrk="1" latinLnBrk="0" hangingPunct="1">
+              <a:defRPr sz="1800" kern="1200">
+                <a:solidFill>
+                  <a:schemeClr val="tx1"/>
+                </a:solidFill>
+                <a:latin typeface="+mn-lt"/>
+                <a:ea typeface="+mn-ea"/>
+                <a:cs typeface="+mn-cs"/>
+              </a:defRPr>
+            </a:lvl8pPr>
+            <a:lvl9pPr marL="3657600" algn="l" defTabSz="914400" rtl="0" eaLnBrk="1" latinLnBrk="0" hangingPunct="1">
+              <a:defRPr sz="1800" kern="1200">
+                <a:solidFill>
+                  <a:schemeClr val="tx1"/>
+                </a:solidFill>
+                <a:latin typeface="+mn-lt"/>
+                <a:ea typeface="+mn-ea"/>
+                <a:cs typeface="+mn-cs"/>
+              </a:defRPr>
+            </a:lvl9pPr>
+          </a:lstStyle>
+          <a:p>
+            <a:r>
+              <a:rPr lang="en-GB" sz="900" dirty="0"/>
+              <a:t>Correction</a:t>
+            </a:r>
+          </a:p>
+        </p:txBody>
+      </p:sp>
+      <p:sp>
+        <p:nvSpPr>
+          <p:cNvPr id="51" name="TextBox 44">
+            <a:extLst>
+              <a:ext uri="{FF2B5EF4-FFF2-40B4-BE49-F238E27FC236}">
+                <a16:creationId xmlns:a16="http://schemas.microsoft.com/office/drawing/2014/main" id="{CF090EAC-77D7-4B8E-A26B-B9E51261FD87}"/>
+              </a:ext>
+            </a:extLst>
+          </p:cNvPr>
+          <p:cNvSpPr txBox="1"/>
+          <p:nvPr/>
+        </p:nvSpPr>
+        <p:spPr>
+          <a:xfrm>
+            <a:off x="2691210" y="4286458"/>
+            <a:ext cx="960519" cy="230832"/>
+          </a:xfrm>
+          <a:prstGeom prst="rect">
+            <a:avLst/>
+          </a:prstGeom>
+          <a:noFill/>
+        </p:spPr>
+        <p:txBody>
+          <a:bodyPr wrap="none" rtlCol="0">
+            <a:spAutoFit/>
+          </a:bodyPr>
+          <a:lstStyle>
+            <a:defPPr>
+              <a:defRPr lang="en-US"/>
+            </a:defPPr>
+            <a:lvl1pPr marL="0" algn="l" defTabSz="914400" rtl="0" eaLnBrk="1" latinLnBrk="0" hangingPunct="1">
+              <a:defRPr sz="1800" kern="1200">
+                <a:solidFill>
+                  <a:schemeClr val="tx1"/>
+                </a:solidFill>
+                <a:latin typeface="+mn-lt"/>
+                <a:ea typeface="+mn-ea"/>
+                <a:cs typeface="+mn-cs"/>
+              </a:defRPr>
+            </a:lvl1pPr>
+            <a:lvl2pPr marL="457200" algn="l" defTabSz="914400" rtl="0" eaLnBrk="1" latinLnBrk="0" hangingPunct="1">
+              <a:defRPr sz="1800" kern="1200">
+                <a:solidFill>
+                  <a:schemeClr val="tx1"/>
+                </a:solidFill>
+                <a:latin typeface="+mn-lt"/>
+                <a:ea typeface="+mn-ea"/>
+                <a:cs typeface="+mn-cs"/>
+              </a:defRPr>
+            </a:lvl2pPr>
+            <a:lvl3pPr marL="914400" algn="l" defTabSz="914400" rtl="0" eaLnBrk="1" latinLnBrk="0" hangingPunct="1">
+              <a:defRPr sz="1800" kern="1200">
+                <a:solidFill>
+                  <a:schemeClr val="tx1"/>
+                </a:solidFill>
+                <a:latin typeface="+mn-lt"/>
+                <a:ea typeface="+mn-ea"/>
+                <a:cs typeface="+mn-cs"/>
+              </a:defRPr>
+            </a:lvl3pPr>
+            <a:lvl4pPr marL="1371600" algn="l" defTabSz="914400" rtl="0" eaLnBrk="1" latinLnBrk="0" hangingPunct="1">
+              <a:defRPr sz="1800" kern="1200">
+                <a:solidFill>
+                  <a:schemeClr val="tx1"/>
+                </a:solidFill>
+                <a:latin typeface="+mn-lt"/>
+                <a:ea typeface="+mn-ea"/>
+                <a:cs typeface="+mn-cs"/>
+              </a:defRPr>
+            </a:lvl4pPr>
+            <a:lvl5pPr marL="1828800" algn="l" defTabSz="914400" rtl="0" eaLnBrk="1" latinLnBrk="0" hangingPunct="1">
+              <a:defRPr sz="1800" kern="1200">
+                <a:solidFill>
+                  <a:schemeClr val="tx1"/>
+                </a:solidFill>
+                <a:latin typeface="+mn-lt"/>
+                <a:ea typeface="+mn-ea"/>
+                <a:cs typeface="+mn-cs"/>
+              </a:defRPr>
+            </a:lvl5pPr>
+            <a:lvl6pPr marL="2286000" algn="l" defTabSz="914400" rtl="0" eaLnBrk="1" latinLnBrk="0" hangingPunct="1">
+              <a:defRPr sz="1800" kern="1200">
+                <a:solidFill>
+                  <a:schemeClr val="tx1"/>
+                </a:solidFill>
+                <a:latin typeface="+mn-lt"/>
+                <a:ea typeface="+mn-ea"/>
+                <a:cs typeface="+mn-cs"/>
+              </a:defRPr>
+            </a:lvl6pPr>
+            <a:lvl7pPr marL="2743200" algn="l" defTabSz="914400" rtl="0" eaLnBrk="1" latinLnBrk="0" hangingPunct="1">
+              <a:defRPr sz="1800" kern="1200">
+                <a:solidFill>
+                  <a:schemeClr val="tx1"/>
+                </a:solidFill>
+                <a:latin typeface="+mn-lt"/>
+                <a:ea typeface="+mn-ea"/>
+                <a:cs typeface="+mn-cs"/>
+              </a:defRPr>
+            </a:lvl7pPr>
+            <a:lvl8pPr marL="3200400" algn="l" defTabSz="914400" rtl="0" eaLnBrk="1" latinLnBrk="0" hangingPunct="1">
+              <a:defRPr sz="1800" kern="1200">
+                <a:solidFill>
+                  <a:schemeClr val="tx1"/>
+                </a:solidFill>
+                <a:latin typeface="+mn-lt"/>
+                <a:ea typeface="+mn-ea"/>
+                <a:cs typeface="+mn-cs"/>
+              </a:defRPr>
+            </a:lvl8pPr>
+            <a:lvl9pPr marL="3657600" algn="l" defTabSz="914400" rtl="0" eaLnBrk="1" latinLnBrk="0" hangingPunct="1">
+              <a:defRPr sz="1800" kern="1200">
+                <a:solidFill>
+                  <a:schemeClr val="tx1"/>
+                </a:solidFill>
+                <a:latin typeface="+mn-lt"/>
+                <a:ea typeface="+mn-ea"/>
+                <a:cs typeface="+mn-cs"/>
+              </a:defRPr>
+            </a:lvl9pPr>
+          </a:lstStyle>
+          <a:p>
+            <a:r>
+              <a:rPr lang="en-GB" sz="900" dirty="0"/>
+              <a:t>Cross track error</a:t>
+            </a:r>
+          </a:p>
+        </p:txBody>
+      </p:sp>
+      <p:sp>
+        <p:nvSpPr>
+          <p:cNvPr id="55" name="TextBox 54">
+            <a:extLst>
+              <a:ext uri="{FF2B5EF4-FFF2-40B4-BE49-F238E27FC236}">
+                <a16:creationId xmlns:a16="http://schemas.microsoft.com/office/drawing/2014/main" id="{DDB86CC8-2A8C-4331-AA1B-31216600D8A8}"/>
+              </a:ext>
+            </a:extLst>
+          </p:cNvPr>
+          <p:cNvSpPr txBox="1"/>
+          <p:nvPr/>
+        </p:nvSpPr>
+        <p:spPr>
+          <a:xfrm>
+            <a:off x="4311990" y="4764256"/>
+            <a:ext cx="1963739" cy="507831"/>
+          </a:xfrm>
+          <a:prstGeom prst="rect">
+            <a:avLst/>
+          </a:prstGeom>
+          <a:noFill/>
+        </p:spPr>
+        <p:txBody>
+          <a:bodyPr wrap="square" rtlCol="0">
+            <a:spAutoFit/>
+          </a:bodyPr>
+          <a:lstStyle/>
+          <a:p>
+            <a:r>
+              <a:rPr lang="el-GR" sz="900" dirty="0"/>
+              <a:t>α</a:t>
+            </a:r>
+            <a:r>
+              <a:rPr lang="en-GB" sz="900" dirty="0"/>
+              <a:t> = D_cts * P;</a:t>
+            </a:r>
+          </a:p>
+          <a:p>
+            <a:r>
+              <a:rPr lang="el-GR" sz="900" dirty="0"/>
+              <a:t>α</a:t>
+            </a:r>
+            <a:r>
+              <a:rPr lang="en-GB" sz="900" dirty="0"/>
+              <a:t> = limit(max_offset_angle, a);</a:t>
+            </a:r>
+          </a:p>
+          <a:p>
+            <a:endParaRPr lang="en-GB" sz="900" dirty="0"/>
+          </a:p>
+        </p:txBody>
+      </p:sp>
+    </p:spTree>
+    <p:extLst>
+      <p:ext uri="{BB962C8B-B14F-4D97-AF65-F5344CB8AC3E}">
+        <p14:creationId xmlns:p14="http://schemas.microsoft.com/office/powerpoint/2010/main" val="1658394507"/>
+      </p:ext>
+    </p:extLst>
+  </p:cSld>
+  <p:clrMapOvr>
+    <a:masterClrMapping/>
+  </p:clrMapOvr>
+</p:sld>
+</file>
+
 <file path=ppt/theme/theme1.xml><?xml version="1.0" encoding="utf-8"?>
 <a:theme xmlns:a="http://schemas.openxmlformats.org/drawingml/2006/main" name="Office Theme">
   <a:themeElements>
